--- a/02_PreProcessing/02_PreProcessing.pptx
+++ b/02_PreProcessing/02_PreProcessing.pptx
@@ -238,7 +238,7 @@
           <a:p>
             <a:fld id="{05BF5AB9-3463-4E65-AFD3-5431B79ADFDC}" type="datetimeFigureOut">
               <a:rPr lang="zh-TW" altLang="en-US" smtClean="0"/>
-              <a:t>2020/5/2</a:t>
+              <a:t>2020/5/3</a:t>
             </a:fld>
             <a:endParaRPr lang="zh-TW" altLang="en-US"/>
           </a:p>
@@ -403,7 +403,7 @@
           <a:p>
             <a:fld id="{838FF680-7B6B-4655-B6A1-33A8AD0AE8B4}" type="datetimeFigureOut">
               <a:rPr lang="zh-TW" altLang="en-US" smtClean="0"/>
-              <a:t>2020/5/2</a:t>
+              <a:t>2020/5/3</a:t>
             </a:fld>
             <a:endParaRPr lang="zh-TW" altLang="en-US"/>
           </a:p>
@@ -7808,6 +7808,66 @@
       </p:grpSpPr>
       <p:sp>
         <p:nvSpPr>
+          <p:cNvPr id="8" name="內容版面配置區 1">
+            <a:extLst>
+              <a:ext uri="{FF2B5EF4-FFF2-40B4-BE49-F238E27FC236}">
+                <a16:creationId xmlns:a16="http://schemas.microsoft.com/office/drawing/2014/main" id="{65A4E201-3D61-454B-BE26-2CD604BE45BB}"/>
+              </a:ext>
+            </a:extLst>
+          </p:cNvPr>
+          <p:cNvSpPr>
+            <a:spLocks noGrp="1"/>
+          </p:cNvSpPr>
+          <p:nvPr>
+            <p:ph idx="1"/>
+          </p:nvPr>
+        </p:nvSpPr>
+        <p:spPr>
+          <a:xfrm>
+            <a:off x="272480" y="764704"/>
+            <a:ext cx="9328720" cy="5879678"/>
+          </a:xfrm>
+        </p:spPr>
+        <p:txBody>
+          <a:bodyPr>
+            <a:normAutofit/>
+          </a:bodyPr>
+          <a:lstStyle/>
+          <a:p>
+            <a:r>
+              <a:rPr lang="en-US" altLang="zh-TW" dirty="0" err="1"/>
+              <a:t>OneHot</a:t>
+            </a:r>
+            <a:r>
+              <a:rPr lang="en-US" altLang="zh-TW" dirty="0"/>
+              <a:t> Encoding</a:t>
+            </a:r>
+          </a:p>
+          <a:p>
+            <a:endParaRPr lang="en-US" dirty="0"/>
+          </a:p>
+          <a:p>
+            <a:endParaRPr lang="en-US" dirty="0"/>
+          </a:p>
+          <a:p>
+            <a:endParaRPr lang="en-US" dirty="0"/>
+          </a:p>
+          <a:p>
+            <a:endParaRPr lang="en-US" dirty="0"/>
+          </a:p>
+          <a:p>
+            <a:endParaRPr lang="en-US" dirty="0"/>
+          </a:p>
+          <a:p>
+            <a:r>
+              <a:rPr lang="en-US" dirty="0"/>
+              <a:t>NLP Example</a:t>
+            </a:r>
+          </a:p>
+        </p:txBody>
+      </p:sp>
+      <p:sp>
+        <p:nvSpPr>
           <p:cNvPr id="3" name="投影片編號版面配置區 2">
             <a:extLst>
               <a:ext uri="{FF2B5EF4-FFF2-40B4-BE49-F238E27FC236}">
@@ -7886,7 +7946,7 @@
         </p:blipFill>
         <p:spPr>
           <a:xfrm>
-            <a:off x="0" y="914400"/>
+            <a:off x="0" y="1262460"/>
             <a:ext cx="9906000" cy="3004740"/>
           </a:xfrm>
           <a:prstGeom prst="rect">
@@ -7916,7 +7976,7 @@
         </p:blipFill>
         <p:spPr>
           <a:xfrm>
-            <a:off x="0" y="4419600"/>
+            <a:off x="0" y="4793412"/>
             <a:ext cx="9906000" cy="1226388"/>
           </a:xfrm>
           <a:prstGeom prst="rect">

--- a/02_PreProcessing/02_PreProcessing.pptx
+++ b/02_PreProcessing/02_PreProcessing.pptx
@@ -5,10 +5,10 @@
     <p:sldMasterId id="2147483664" r:id="rId1"/>
   </p:sldMasterIdLst>
   <p:notesMasterIdLst>
-    <p:notesMasterId r:id="rId30"/>
+    <p:notesMasterId r:id="rId32"/>
   </p:notesMasterIdLst>
   <p:handoutMasterIdLst>
-    <p:handoutMasterId r:id="rId31"/>
+    <p:handoutMasterId r:id="rId33"/>
   </p:handoutMasterIdLst>
   <p:sldIdLst>
     <p:sldId id="264" r:id="rId2"/>
@@ -18,27 +18,29 @@
     <p:sldId id="326" r:id="rId6"/>
     <p:sldId id="317" r:id="rId7"/>
     <p:sldId id="322" r:id="rId8"/>
-    <p:sldId id="327" r:id="rId9"/>
-    <p:sldId id="313" r:id="rId10"/>
-    <p:sldId id="321" r:id="rId11"/>
-    <p:sldId id="314" r:id="rId12"/>
-    <p:sldId id="328" r:id="rId13"/>
-    <p:sldId id="333" r:id="rId14"/>
-    <p:sldId id="334" r:id="rId15"/>
-    <p:sldId id="329" r:id="rId16"/>
-    <p:sldId id="336" r:id="rId17"/>
-    <p:sldId id="330" r:id="rId18"/>
-    <p:sldId id="335" r:id="rId19"/>
-    <p:sldId id="331" r:id="rId20"/>
-    <p:sldId id="337" r:id="rId21"/>
-    <p:sldId id="338" r:id="rId22"/>
-    <p:sldId id="340" r:id="rId23"/>
-    <p:sldId id="341" r:id="rId24"/>
-    <p:sldId id="343" r:id="rId25"/>
-    <p:sldId id="339" r:id="rId26"/>
-    <p:sldId id="332" r:id="rId27"/>
-    <p:sldId id="315" r:id="rId28"/>
-    <p:sldId id="260" r:id="rId29"/>
+    <p:sldId id="344" r:id="rId9"/>
+    <p:sldId id="327" r:id="rId10"/>
+    <p:sldId id="313" r:id="rId11"/>
+    <p:sldId id="321" r:id="rId12"/>
+    <p:sldId id="314" r:id="rId13"/>
+    <p:sldId id="328" r:id="rId14"/>
+    <p:sldId id="333" r:id="rId15"/>
+    <p:sldId id="334" r:id="rId16"/>
+    <p:sldId id="329" r:id="rId17"/>
+    <p:sldId id="336" r:id="rId18"/>
+    <p:sldId id="330" r:id="rId19"/>
+    <p:sldId id="335" r:id="rId20"/>
+    <p:sldId id="346" r:id="rId21"/>
+    <p:sldId id="331" r:id="rId22"/>
+    <p:sldId id="337" r:id="rId23"/>
+    <p:sldId id="338" r:id="rId24"/>
+    <p:sldId id="340" r:id="rId25"/>
+    <p:sldId id="341" r:id="rId26"/>
+    <p:sldId id="343" r:id="rId27"/>
+    <p:sldId id="339" r:id="rId28"/>
+    <p:sldId id="332" r:id="rId29"/>
+    <p:sldId id="315" r:id="rId30"/>
+    <p:sldId id="260" r:id="rId31"/>
   </p:sldIdLst>
   <p:sldSz cx="9906000" cy="6858000" type="A4"/>
   <p:notesSz cx="6807200" cy="9939338"/>
@@ -238,7 +240,7 @@
           <a:p>
             <a:fld id="{05BF5AB9-3463-4E65-AFD3-5431B79ADFDC}" type="datetimeFigureOut">
               <a:rPr lang="zh-TW" altLang="en-US" smtClean="0"/>
-              <a:t>2020/5/3</a:t>
+              <a:t>2020/5/16</a:t>
             </a:fld>
             <a:endParaRPr lang="zh-TW" altLang="en-US"/>
           </a:p>
@@ -403,7 +405,7 @@
           <a:p>
             <a:fld id="{838FF680-7B6B-4655-B6A1-33A8AD0AE8B4}" type="datetimeFigureOut">
               <a:rPr lang="zh-TW" altLang="en-US" smtClean="0"/>
-              <a:t>2020/5/3</a:t>
+              <a:t>2020/5/16</a:t>
             </a:fld>
             <a:endParaRPr lang="zh-TW" altLang="en-US"/>
           </a:p>
@@ -1023,7 +1025,7 @@
           <a:p>
             <a:fld id="{6F9E9FB9-4D1E-4A88-8F87-B34AFE16905A}" type="slidenum">
               <a:rPr lang="zh-TW" altLang="en-US" smtClean="0"/>
-              <a:t>7</a:t>
+              <a:t>8</a:t>
             </a:fld>
             <a:endParaRPr lang="zh-TW" altLang="en-US"/>
           </a:p>
@@ -1147,7 +1149,7 @@
           <a:p>
             <a:fld id="{6F9E9FB9-4D1E-4A88-8F87-B34AFE16905A}" type="slidenum">
               <a:rPr lang="zh-TW" altLang="en-US" smtClean="0"/>
-              <a:t>11</a:t>
+              <a:t>12</a:t>
             </a:fld>
             <a:endParaRPr lang="zh-TW" altLang="en-US"/>
           </a:p>
@@ -1271,7 +1273,7 @@
           <a:p>
             <a:fld id="{6F9E9FB9-4D1E-4A88-8F87-B34AFE16905A}" type="slidenum">
               <a:rPr lang="zh-TW" altLang="en-US" smtClean="0"/>
-              <a:t>14</a:t>
+              <a:t>15</a:t>
             </a:fld>
             <a:endParaRPr lang="zh-TW" altLang="en-US"/>
           </a:p>
@@ -1395,7 +1397,7 @@
           <a:p>
             <a:fld id="{6F9E9FB9-4D1E-4A88-8F87-B34AFE16905A}" type="slidenum">
               <a:rPr lang="zh-TW" altLang="en-US" smtClean="0"/>
-              <a:t>16</a:t>
+              <a:t>17</a:t>
             </a:fld>
             <a:endParaRPr lang="zh-TW" altLang="en-US"/>
           </a:p>
@@ -1519,7 +1521,7 @@
           <a:p>
             <a:fld id="{6F9E9FB9-4D1E-4A88-8F87-B34AFE16905A}" type="slidenum">
               <a:rPr lang="zh-TW" altLang="en-US" smtClean="0"/>
-              <a:t>18</a:t>
+              <a:t>20</a:t>
             </a:fld>
             <a:endParaRPr lang="zh-TW" altLang="en-US"/>
           </a:p>
@@ -1643,7 +1645,7 @@
           <a:p>
             <a:fld id="{6F9E9FB9-4D1E-4A88-8F87-B34AFE16905A}" type="slidenum">
               <a:rPr lang="zh-TW" altLang="en-US" smtClean="0"/>
-              <a:t>25</a:t>
+              <a:t>27</a:t>
             </a:fld>
             <a:endParaRPr lang="zh-TW" altLang="en-US"/>
           </a:p>
@@ -6302,42 +6304,8 @@
           <a:p>
             <a:r>
               <a:rPr lang="en-US" dirty="0"/>
-              <a:t>Filling</a:t>
-            </a:r>
-          </a:p>
-          <a:p>
-            <a:pPr lvl="1"/>
-            <a:r>
-              <a:rPr lang="en-US" dirty="0"/>
-              <a:t>Mean</a:t>
-            </a:r>
-          </a:p>
-          <a:p>
-            <a:pPr lvl="1"/>
-            <a:endParaRPr lang="en-US" dirty="0"/>
-          </a:p>
-          <a:p>
-            <a:pPr lvl="1"/>
-            <a:endParaRPr lang="en-US" dirty="0"/>
-          </a:p>
-          <a:p>
-            <a:pPr lvl="1"/>
-            <a:endParaRPr lang="en-US" dirty="0"/>
-          </a:p>
-          <a:p>
-            <a:pPr lvl="1"/>
-            <a:endParaRPr lang="en-US" dirty="0"/>
-          </a:p>
-          <a:p>
-            <a:pPr lvl="1"/>
-            <a:r>
-              <a:rPr lang="en-US" dirty="0"/>
-              <a:t>Median</a:t>
-            </a:r>
-          </a:p>
-          <a:p>
-            <a:pPr lvl="1"/>
-            <a:endParaRPr lang="en-US" dirty="0"/>
+              <a:t>Detection</a:t>
+            </a:r>
           </a:p>
         </p:txBody>
       </p:sp>
@@ -6366,6 +6334,286 @@
               <a:rPr lang="zh-TW" altLang="en-US" smtClean="0"/>
               <a:pPr/>
               <a:t>9</a:t>
+            </a:fld>
+            <a:endParaRPr lang="zh-TW" altLang="en-US"/>
+          </a:p>
+        </p:txBody>
+      </p:sp>
+      <p:sp>
+        <p:nvSpPr>
+          <p:cNvPr id="4" name="標題 3">
+            <a:extLst>
+              <a:ext uri="{FF2B5EF4-FFF2-40B4-BE49-F238E27FC236}">
+                <a16:creationId xmlns:a16="http://schemas.microsoft.com/office/drawing/2014/main" id="{9F945C2C-0BE8-4797-ABBE-145702E5DF65}"/>
+              </a:ext>
+            </a:extLst>
+          </p:cNvPr>
+          <p:cNvSpPr>
+            <a:spLocks noGrp="1"/>
+          </p:cNvSpPr>
+          <p:nvPr>
+            <p:ph type="title"/>
+          </p:nvPr>
+        </p:nvSpPr>
+        <p:spPr/>
+        <p:txBody>
+          <a:bodyPr/>
+          <a:lstStyle/>
+          <a:p>
+            <a:r>
+              <a:rPr lang="en-US" dirty="0"/>
+              <a:t>Missing Data</a:t>
+            </a:r>
+          </a:p>
+        </p:txBody>
+      </p:sp>
+      <p:pic>
+        <p:nvPicPr>
+          <p:cNvPr id="5" name="圖片 4">
+            <a:extLst>
+              <a:ext uri="{FF2B5EF4-FFF2-40B4-BE49-F238E27FC236}">
+                <a16:creationId xmlns:a16="http://schemas.microsoft.com/office/drawing/2014/main" id="{73F6FBFD-4A90-4AEE-A0D6-F4E87F3FFD79}"/>
+              </a:ext>
+            </a:extLst>
+          </p:cNvPr>
+          <p:cNvPicPr>
+            <a:picLocks noChangeAspect="1"/>
+          </p:cNvPicPr>
+          <p:nvPr/>
+        </p:nvPicPr>
+        <p:blipFill>
+          <a:blip r:embed="rId2"/>
+          <a:stretch>
+            <a:fillRect/>
+          </a:stretch>
+        </p:blipFill>
+        <p:spPr>
+          <a:xfrm>
+            <a:off x="0" y="1571711"/>
+            <a:ext cx="9906000" cy="4002609"/>
+          </a:xfrm>
+          <a:prstGeom prst="rect">
+            <a:avLst/>
+          </a:prstGeom>
+        </p:spPr>
+      </p:pic>
+      <p:sp>
+        <p:nvSpPr>
+          <p:cNvPr id="6" name="矩形 5">
+            <a:extLst>
+              <a:ext uri="{FF2B5EF4-FFF2-40B4-BE49-F238E27FC236}">
+                <a16:creationId xmlns:a16="http://schemas.microsoft.com/office/drawing/2014/main" id="{DE0FFA36-1F39-4381-A1E3-956FFEF9B9A7}"/>
+              </a:ext>
+            </a:extLst>
+          </p:cNvPr>
+          <p:cNvSpPr/>
+          <p:nvPr/>
+        </p:nvSpPr>
+        <p:spPr>
+          <a:xfrm>
+            <a:off x="608167" y="4121870"/>
+            <a:ext cx="2819400" cy="152400"/>
+          </a:xfrm>
+          <a:prstGeom prst="rect">
+            <a:avLst/>
+          </a:prstGeom>
+          <a:noFill/>
+          <a:ln w="28575">
+            <a:solidFill>
+              <a:srgbClr val="FF0000"/>
+            </a:solidFill>
+          </a:ln>
+        </p:spPr>
+        <p:style>
+          <a:lnRef idx="1">
+            <a:schemeClr val="accent4"/>
+          </a:lnRef>
+          <a:fillRef idx="3">
+            <a:schemeClr val="accent4"/>
+          </a:fillRef>
+          <a:effectRef idx="2">
+            <a:schemeClr val="accent4"/>
+          </a:effectRef>
+          <a:fontRef idx="minor">
+            <a:schemeClr val="lt1"/>
+          </a:fontRef>
+        </p:style>
+        <p:txBody>
+          <a:bodyPr rtlCol="0" anchor="ctr"/>
+          <a:lstStyle/>
+          <a:p>
+            <a:pPr algn="ctr"/>
+            <a:endParaRPr lang="en-US"/>
+          </a:p>
+        </p:txBody>
+      </p:sp>
+      <p:sp>
+        <p:nvSpPr>
+          <p:cNvPr id="7" name="矩形 6">
+            <a:extLst>
+              <a:ext uri="{FF2B5EF4-FFF2-40B4-BE49-F238E27FC236}">
+                <a16:creationId xmlns:a16="http://schemas.microsoft.com/office/drawing/2014/main" id="{DD2CD3C0-849C-4296-8B16-8249AF046823}"/>
+              </a:ext>
+            </a:extLst>
+          </p:cNvPr>
+          <p:cNvSpPr/>
+          <p:nvPr/>
+        </p:nvSpPr>
+        <p:spPr>
+          <a:xfrm>
+            <a:off x="608167" y="4891169"/>
+            <a:ext cx="2819400" cy="152400"/>
+          </a:xfrm>
+          <a:prstGeom prst="rect">
+            <a:avLst/>
+          </a:prstGeom>
+          <a:noFill/>
+          <a:ln w="28575">
+            <a:solidFill>
+              <a:srgbClr val="FF0000"/>
+            </a:solidFill>
+          </a:ln>
+        </p:spPr>
+        <p:style>
+          <a:lnRef idx="1">
+            <a:schemeClr val="accent4"/>
+          </a:lnRef>
+          <a:fillRef idx="3">
+            <a:schemeClr val="accent4"/>
+          </a:fillRef>
+          <a:effectRef idx="2">
+            <a:schemeClr val="accent4"/>
+          </a:effectRef>
+          <a:fontRef idx="minor">
+            <a:schemeClr val="lt1"/>
+          </a:fontRef>
+        </p:style>
+        <p:txBody>
+          <a:bodyPr rtlCol="0" anchor="ctr"/>
+          <a:lstStyle/>
+          <a:p>
+            <a:pPr algn="ctr"/>
+            <a:endParaRPr lang="en-US"/>
+          </a:p>
+        </p:txBody>
+      </p:sp>
+    </p:spTree>
+    <p:extLst>
+      <p:ext uri="{BB962C8B-B14F-4D97-AF65-F5344CB8AC3E}">
+        <p14:creationId xmlns:p14="http://schemas.microsoft.com/office/powerpoint/2010/main" val="116935457"/>
+      </p:ext>
+    </p:extLst>
+  </p:cSld>
+  <p:clrMapOvr>
+    <a:masterClrMapping/>
+  </p:clrMapOvr>
+</p:sld>
+</file>
+
+<file path=ppt/slides/slide11.xml><?xml version="1.0" encoding="utf-8"?>
+<p:sld xmlns:a="http://schemas.openxmlformats.org/drawingml/2006/main" xmlns:r="http://schemas.openxmlformats.org/officeDocument/2006/relationships" xmlns:p="http://schemas.openxmlformats.org/presentationml/2006/main">
+  <p:cSld>
+    <p:spTree>
+      <p:nvGrpSpPr>
+        <p:cNvPr id="1" name=""/>
+        <p:cNvGrpSpPr/>
+        <p:nvPr/>
+      </p:nvGrpSpPr>
+      <p:grpSpPr>
+        <a:xfrm>
+          <a:off x="0" y="0"/>
+          <a:ext cx="0" cy="0"/>
+          <a:chOff x="0" y="0"/>
+          <a:chExt cx="0" cy="0"/>
+        </a:xfrm>
+      </p:grpSpPr>
+      <p:sp>
+        <p:nvSpPr>
+          <p:cNvPr id="2" name="內容版面配置區 1">
+            <a:extLst>
+              <a:ext uri="{FF2B5EF4-FFF2-40B4-BE49-F238E27FC236}">
+                <a16:creationId xmlns:a16="http://schemas.microsoft.com/office/drawing/2014/main" id="{638D6AEC-B727-4EDC-8854-4538E37133CB}"/>
+              </a:ext>
+            </a:extLst>
+          </p:cNvPr>
+          <p:cNvSpPr>
+            <a:spLocks noGrp="1"/>
+          </p:cNvSpPr>
+          <p:nvPr>
+            <p:ph idx="1"/>
+          </p:nvPr>
+        </p:nvSpPr>
+        <p:spPr/>
+        <p:txBody>
+          <a:bodyPr/>
+          <a:lstStyle/>
+          <a:p>
+            <a:r>
+              <a:rPr lang="en-US" dirty="0"/>
+              <a:t>Filling</a:t>
+            </a:r>
+          </a:p>
+          <a:p>
+            <a:pPr lvl="1"/>
+            <a:r>
+              <a:rPr lang="en-US" dirty="0"/>
+              <a:t>Mean</a:t>
+            </a:r>
+          </a:p>
+          <a:p>
+            <a:pPr lvl="1"/>
+            <a:endParaRPr lang="en-US" dirty="0"/>
+          </a:p>
+          <a:p>
+            <a:pPr lvl="1"/>
+            <a:endParaRPr lang="en-US" dirty="0"/>
+          </a:p>
+          <a:p>
+            <a:pPr lvl="1"/>
+            <a:endParaRPr lang="en-US" dirty="0"/>
+          </a:p>
+          <a:p>
+            <a:pPr lvl="1"/>
+            <a:endParaRPr lang="en-US" dirty="0"/>
+          </a:p>
+          <a:p>
+            <a:pPr lvl="1"/>
+            <a:r>
+              <a:rPr lang="en-US" dirty="0"/>
+              <a:t>Median</a:t>
+            </a:r>
+          </a:p>
+          <a:p>
+            <a:pPr lvl="1"/>
+            <a:endParaRPr lang="en-US" dirty="0"/>
+          </a:p>
+        </p:txBody>
+      </p:sp>
+      <p:sp>
+        <p:nvSpPr>
+          <p:cNvPr id="3" name="投影片編號版面配置區 2">
+            <a:extLst>
+              <a:ext uri="{FF2B5EF4-FFF2-40B4-BE49-F238E27FC236}">
+                <a16:creationId xmlns:a16="http://schemas.microsoft.com/office/drawing/2014/main" id="{E0A46DAB-9EC0-4489-803D-8B6178F1404F}"/>
+              </a:ext>
+            </a:extLst>
+          </p:cNvPr>
+          <p:cNvSpPr>
+            <a:spLocks noGrp="1"/>
+          </p:cNvSpPr>
+          <p:nvPr>
+            <p:ph type="sldNum" sz="quarter" idx="12"/>
+          </p:nvPr>
+        </p:nvSpPr>
+        <p:spPr/>
+        <p:txBody>
+          <a:bodyPr/>
+          <a:lstStyle/>
+          <a:p>
+            <a:fld id="{8F4EACC7-37E3-43A5-A5FB-BEB9CE95D266}" type="slidenum">
+              <a:rPr lang="zh-TW" altLang="en-US" smtClean="0"/>
+              <a:pPr/>
+              <a:t>10</a:t>
             </a:fld>
             <a:endParaRPr lang="zh-TW" altLang="en-US"/>
           </a:p>
@@ -6470,7 +6718,7 @@
 </p:sld>
 </file>
 
-<file path=ppt/slides/slide11.xml><?xml version="1.0" encoding="utf-8"?>
+<file path=ppt/slides/slide12.xml><?xml version="1.0" encoding="utf-8"?>
 <p:sld xmlns:a="http://schemas.openxmlformats.org/drawingml/2006/main" xmlns:r="http://schemas.openxmlformats.org/officeDocument/2006/relationships" xmlns:p="http://schemas.openxmlformats.org/presentationml/2006/main">
   <p:cSld>
     <p:spTree>
@@ -6549,7 +6797,7 @@
             <a:fld id="{8F4EACC7-37E3-43A5-A5FB-BEB9CE95D266}" type="slidenum">
               <a:rPr lang="zh-TW" altLang="en-US" smtClean="0"/>
               <a:pPr/>
-              <a:t>10</a:t>
+              <a:t>11</a:t>
             </a:fld>
             <a:endParaRPr lang="zh-TW" altLang="en-US"/>
           </a:p>
@@ -6626,208 +6874,6 @@
 </p:sld>
 </file>
 
-<file path=ppt/slides/slide12.xml><?xml version="1.0" encoding="utf-8"?>
-<p:sld xmlns:a="http://schemas.openxmlformats.org/drawingml/2006/main" xmlns:r="http://schemas.openxmlformats.org/officeDocument/2006/relationships" xmlns:p="http://schemas.openxmlformats.org/presentationml/2006/main">
-  <p:cSld>
-    <p:spTree>
-      <p:nvGrpSpPr>
-        <p:cNvPr id="1" name=""/>
-        <p:cNvGrpSpPr/>
-        <p:nvPr/>
-      </p:nvGrpSpPr>
-      <p:grpSpPr>
-        <a:xfrm>
-          <a:off x="0" y="0"/>
-          <a:ext cx="0" cy="0"/>
-          <a:chOff x="0" y="0"/>
-          <a:chExt cx="0" cy="0"/>
-        </a:xfrm>
-      </p:grpSpPr>
-      <p:sp>
-        <p:nvSpPr>
-          <p:cNvPr id="2" name="內容版面配置區 1">
-            <a:extLst>
-              <a:ext uri="{FF2B5EF4-FFF2-40B4-BE49-F238E27FC236}">
-                <a16:creationId xmlns:a16="http://schemas.microsoft.com/office/drawing/2014/main" id="{994C2E33-B54C-402D-B243-A895CC3E10DD}"/>
-              </a:ext>
-            </a:extLst>
-          </p:cNvPr>
-          <p:cNvSpPr>
-            <a:spLocks noGrp="1"/>
-          </p:cNvSpPr>
-          <p:nvPr>
-            <p:ph idx="1"/>
-          </p:nvPr>
-        </p:nvSpPr>
-        <p:spPr>
-          <a:xfrm>
-            <a:off x="272480" y="764704"/>
-            <a:ext cx="9328720" cy="5879678"/>
-          </a:xfrm>
-        </p:spPr>
-        <p:txBody>
-          <a:bodyPr>
-            <a:normAutofit/>
-          </a:bodyPr>
-          <a:lstStyle/>
-          <a:p>
-            <a:r>
-              <a:rPr lang="en-US" dirty="0" err="1"/>
-              <a:t>Data</a:t>
-            </a:r>
-            <a:r>
-              <a:rPr lang="en-US" altLang="zh-TW" dirty="0" err="1"/>
-              <a:t>Frame</a:t>
-            </a:r>
-            <a:r>
-              <a:rPr lang="en-US" dirty="0"/>
-              <a:t> Inspection</a:t>
-            </a:r>
-          </a:p>
-          <a:p>
-            <a:r>
-              <a:rPr lang="en-US" dirty="0"/>
-              <a:t>Missing Data</a:t>
-            </a:r>
-          </a:p>
-          <a:p>
-            <a:r>
-              <a:rPr lang="en-US" dirty="0">
-                <a:solidFill>
-                  <a:srgbClr val="FF0000"/>
-                </a:solidFill>
-              </a:rPr>
-              <a:t>Outlier</a:t>
-            </a:r>
-            <a:endParaRPr lang="zh-TW" altLang="en-US" dirty="0">
-              <a:solidFill>
-                <a:srgbClr val="FF0000"/>
-              </a:solidFill>
-            </a:endParaRPr>
-          </a:p>
-          <a:p>
-            <a:r>
-              <a:rPr lang="en-US" altLang="zh-TW" dirty="0"/>
-              <a:t>Inconsistent Data</a:t>
-            </a:r>
-            <a:r>
-              <a:rPr lang="zh-TW" altLang="en-US" dirty="0"/>
-              <a:t> </a:t>
-            </a:r>
-            <a:r>
-              <a:rPr lang="en-US" b="0" dirty="0"/>
-              <a:t>e.g. N</a:t>
-            </a:r>
-            <a:r>
-              <a:rPr lang="en-US" altLang="zh-TW" b="0" dirty="0"/>
-              <a:t>egative Age</a:t>
-            </a:r>
-            <a:endParaRPr lang="zh-TW" altLang="en-US" b="0" dirty="0"/>
-          </a:p>
-          <a:p>
-            <a:r>
-              <a:rPr lang="en-US" altLang="zh-TW" dirty="0"/>
-              <a:t>Categorical Data</a:t>
-            </a:r>
-            <a:r>
-              <a:rPr lang="zh-TW" altLang="en-US" dirty="0"/>
-              <a:t> </a:t>
-            </a:r>
-            <a:r>
-              <a:rPr lang="en-US" altLang="zh-TW" b="0" dirty="0"/>
-              <a:t>e.g. Natural Language Data</a:t>
-            </a:r>
-          </a:p>
-          <a:p>
-            <a:r>
-              <a:rPr lang="en-US" dirty="0"/>
-              <a:t>Normalization</a:t>
-            </a:r>
-          </a:p>
-          <a:p>
-            <a:r>
-              <a:rPr lang="en-US" dirty="0"/>
-              <a:t>Feature </a:t>
-            </a:r>
-            <a:r>
-              <a:rPr lang="en-US" altLang="zh-TW" dirty="0"/>
-              <a:t>Generation</a:t>
-            </a:r>
-            <a:endParaRPr lang="en-US" dirty="0"/>
-          </a:p>
-        </p:txBody>
-      </p:sp>
-      <p:sp>
-        <p:nvSpPr>
-          <p:cNvPr id="3" name="投影片編號版面配置區 2">
-            <a:extLst>
-              <a:ext uri="{FF2B5EF4-FFF2-40B4-BE49-F238E27FC236}">
-                <a16:creationId xmlns:a16="http://schemas.microsoft.com/office/drawing/2014/main" id="{3870C979-4240-4E32-9C5A-D08523E61621}"/>
-              </a:ext>
-            </a:extLst>
-          </p:cNvPr>
-          <p:cNvSpPr>
-            <a:spLocks noGrp="1"/>
-          </p:cNvSpPr>
-          <p:nvPr>
-            <p:ph type="sldNum" sz="quarter" idx="12"/>
-          </p:nvPr>
-        </p:nvSpPr>
-        <p:spPr/>
-        <p:txBody>
-          <a:bodyPr/>
-          <a:lstStyle/>
-          <a:p>
-            <a:fld id="{8F4EACC7-37E3-43A5-A5FB-BEB9CE95D266}" type="slidenum">
-              <a:rPr lang="zh-TW" altLang="en-US" smtClean="0"/>
-              <a:pPr/>
-              <a:t>11</a:t>
-            </a:fld>
-            <a:endParaRPr lang="zh-TW" altLang="en-US"/>
-          </a:p>
-        </p:txBody>
-      </p:sp>
-      <p:sp>
-        <p:nvSpPr>
-          <p:cNvPr id="4" name="標題 3">
-            <a:extLst>
-              <a:ext uri="{FF2B5EF4-FFF2-40B4-BE49-F238E27FC236}">
-                <a16:creationId xmlns:a16="http://schemas.microsoft.com/office/drawing/2014/main" id="{E0C776D6-293F-4DAC-8C58-D84D51E8A9A2}"/>
-              </a:ext>
-            </a:extLst>
-          </p:cNvPr>
-          <p:cNvSpPr>
-            <a:spLocks noGrp="1"/>
-          </p:cNvSpPr>
-          <p:nvPr>
-            <p:ph type="title"/>
-          </p:nvPr>
-        </p:nvSpPr>
-        <p:spPr/>
-        <p:txBody>
-          <a:bodyPr/>
-          <a:lstStyle/>
-          <a:p>
-            <a:r>
-              <a:rPr lang="en-US" dirty="0"/>
-              <a:t>Table of Content</a:t>
-            </a:r>
-          </a:p>
-        </p:txBody>
-      </p:sp>
-    </p:spTree>
-    <p:extLst>
-      <p:ext uri="{BB962C8B-B14F-4D97-AF65-F5344CB8AC3E}">
-        <p14:creationId xmlns:p14="http://schemas.microsoft.com/office/powerpoint/2010/main" val="1164284551"/>
-      </p:ext>
-    </p:extLst>
-  </p:cSld>
-  <p:clrMapOvr>
-    <a:masterClrMapping/>
-  </p:clrMapOvr>
-</p:sld>
-</file>
-
 <file path=ppt/slides/slide13.xml><?xml version="1.0" encoding="utf-8"?>
 <p:sld xmlns:a="http://schemas.openxmlformats.org/drawingml/2006/main" xmlns:r="http://schemas.openxmlformats.org/officeDocument/2006/relationships" xmlns:p="http://schemas.openxmlformats.org/presentationml/2006/main">
   <p:cSld>
@@ -6850,6 +6896,208 @@
           <p:cNvPr id="2" name="內容版面配置區 1">
             <a:extLst>
               <a:ext uri="{FF2B5EF4-FFF2-40B4-BE49-F238E27FC236}">
+                <a16:creationId xmlns:a16="http://schemas.microsoft.com/office/drawing/2014/main" id="{994C2E33-B54C-402D-B243-A895CC3E10DD}"/>
+              </a:ext>
+            </a:extLst>
+          </p:cNvPr>
+          <p:cNvSpPr>
+            <a:spLocks noGrp="1"/>
+          </p:cNvSpPr>
+          <p:nvPr>
+            <p:ph idx="1"/>
+          </p:nvPr>
+        </p:nvSpPr>
+        <p:spPr>
+          <a:xfrm>
+            <a:off x="272480" y="764704"/>
+            <a:ext cx="9328720" cy="5879678"/>
+          </a:xfrm>
+        </p:spPr>
+        <p:txBody>
+          <a:bodyPr>
+            <a:normAutofit/>
+          </a:bodyPr>
+          <a:lstStyle/>
+          <a:p>
+            <a:r>
+              <a:rPr lang="en-US" dirty="0" err="1"/>
+              <a:t>Data</a:t>
+            </a:r>
+            <a:r>
+              <a:rPr lang="en-US" altLang="zh-TW" dirty="0" err="1"/>
+              <a:t>Frame</a:t>
+            </a:r>
+            <a:r>
+              <a:rPr lang="en-US" dirty="0"/>
+              <a:t> Inspection</a:t>
+            </a:r>
+          </a:p>
+          <a:p>
+            <a:r>
+              <a:rPr lang="en-US" dirty="0"/>
+              <a:t>Missing Data</a:t>
+            </a:r>
+          </a:p>
+          <a:p>
+            <a:r>
+              <a:rPr lang="en-US" dirty="0">
+                <a:solidFill>
+                  <a:srgbClr val="FF0000"/>
+                </a:solidFill>
+              </a:rPr>
+              <a:t>Outlier</a:t>
+            </a:r>
+            <a:endParaRPr lang="zh-TW" altLang="en-US" dirty="0">
+              <a:solidFill>
+                <a:srgbClr val="FF0000"/>
+              </a:solidFill>
+            </a:endParaRPr>
+          </a:p>
+          <a:p>
+            <a:r>
+              <a:rPr lang="en-US" altLang="zh-TW" dirty="0"/>
+              <a:t>Inconsistent Data</a:t>
+            </a:r>
+            <a:r>
+              <a:rPr lang="zh-TW" altLang="en-US" dirty="0"/>
+              <a:t> </a:t>
+            </a:r>
+            <a:r>
+              <a:rPr lang="en-US" b="0" dirty="0"/>
+              <a:t>e.g. N</a:t>
+            </a:r>
+            <a:r>
+              <a:rPr lang="en-US" altLang="zh-TW" b="0" dirty="0"/>
+              <a:t>egative Age</a:t>
+            </a:r>
+            <a:endParaRPr lang="zh-TW" altLang="en-US" b="0" dirty="0"/>
+          </a:p>
+          <a:p>
+            <a:r>
+              <a:rPr lang="en-US" altLang="zh-TW" dirty="0"/>
+              <a:t>Categorical Data</a:t>
+            </a:r>
+            <a:r>
+              <a:rPr lang="zh-TW" altLang="en-US" dirty="0"/>
+              <a:t> </a:t>
+            </a:r>
+            <a:r>
+              <a:rPr lang="en-US" altLang="zh-TW" b="0" dirty="0"/>
+              <a:t>e.g. Natural Language Data</a:t>
+            </a:r>
+          </a:p>
+          <a:p>
+            <a:r>
+              <a:rPr lang="en-US" dirty="0"/>
+              <a:t>Normalization</a:t>
+            </a:r>
+          </a:p>
+          <a:p>
+            <a:r>
+              <a:rPr lang="en-US" dirty="0"/>
+              <a:t>Feature </a:t>
+            </a:r>
+            <a:r>
+              <a:rPr lang="en-US" altLang="zh-TW" dirty="0"/>
+              <a:t>Generation</a:t>
+            </a:r>
+            <a:endParaRPr lang="en-US" dirty="0"/>
+          </a:p>
+        </p:txBody>
+      </p:sp>
+      <p:sp>
+        <p:nvSpPr>
+          <p:cNvPr id="3" name="投影片編號版面配置區 2">
+            <a:extLst>
+              <a:ext uri="{FF2B5EF4-FFF2-40B4-BE49-F238E27FC236}">
+                <a16:creationId xmlns:a16="http://schemas.microsoft.com/office/drawing/2014/main" id="{3870C979-4240-4E32-9C5A-D08523E61621}"/>
+              </a:ext>
+            </a:extLst>
+          </p:cNvPr>
+          <p:cNvSpPr>
+            <a:spLocks noGrp="1"/>
+          </p:cNvSpPr>
+          <p:nvPr>
+            <p:ph type="sldNum" sz="quarter" idx="12"/>
+          </p:nvPr>
+        </p:nvSpPr>
+        <p:spPr/>
+        <p:txBody>
+          <a:bodyPr/>
+          <a:lstStyle/>
+          <a:p>
+            <a:fld id="{8F4EACC7-37E3-43A5-A5FB-BEB9CE95D266}" type="slidenum">
+              <a:rPr lang="zh-TW" altLang="en-US" smtClean="0"/>
+              <a:pPr/>
+              <a:t>12</a:t>
+            </a:fld>
+            <a:endParaRPr lang="zh-TW" altLang="en-US"/>
+          </a:p>
+        </p:txBody>
+      </p:sp>
+      <p:sp>
+        <p:nvSpPr>
+          <p:cNvPr id="4" name="標題 3">
+            <a:extLst>
+              <a:ext uri="{FF2B5EF4-FFF2-40B4-BE49-F238E27FC236}">
+                <a16:creationId xmlns:a16="http://schemas.microsoft.com/office/drawing/2014/main" id="{E0C776D6-293F-4DAC-8C58-D84D51E8A9A2}"/>
+              </a:ext>
+            </a:extLst>
+          </p:cNvPr>
+          <p:cNvSpPr>
+            <a:spLocks noGrp="1"/>
+          </p:cNvSpPr>
+          <p:nvPr>
+            <p:ph type="title"/>
+          </p:nvPr>
+        </p:nvSpPr>
+        <p:spPr/>
+        <p:txBody>
+          <a:bodyPr/>
+          <a:lstStyle/>
+          <a:p>
+            <a:r>
+              <a:rPr lang="en-US" dirty="0"/>
+              <a:t>Table of Content</a:t>
+            </a:r>
+          </a:p>
+        </p:txBody>
+      </p:sp>
+    </p:spTree>
+    <p:extLst>
+      <p:ext uri="{BB962C8B-B14F-4D97-AF65-F5344CB8AC3E}">
+        <p14:creationId xmlns:p14="http://schemas.microsoft.com/office/powerpoint/2010/main" val="1164284551"/>
+      </p:ext>
+    </p:extLst>
+  </p:cSld>
+  <p:clrMapOvr>
+    <a:masterClrMapping/>
+  </p:clrMapOvr>
+</p:sld>
+</file>
+
+<file path=ppt/slides/slide14.xml><?xml version="1.0" encoding="utf-8"?>
+<p:sld xmlns:a="http://schemas.openxmlformats.org/drawingml/2006/main" xmlns:r="http://schemas.openxmlformats.org/officeDocument/2006/relationships" xmlns:p="http://schemas.openxmlformats.org/presentationml/2006/main">
+  <p:cSld>
+    <p:spTree>
+      <p:nvGrpSpPr>
+        <p:cNvPr id="1" name=""/>
+        <p:cNvGrpSpPr/>
+        <p:nvPr/>
+      </p:nvGrpSpPr>
+      <p:grpSpPr>
+        <a:xfrm>
+          <a:off x="0" y="0"/>
+          <a:ext cx="0" cy="0"/>
+          <a:chOff x="0" y="0"/>
+          <a:chExt cx="0" cy="0"/>
+        </a:xfrm>
+      </p:grpSpPr>
+      <p:sp>
+        <p:nvSpPr>
+          <p:cNvPr id="2" name="內容版面配置區 1">
+            <a:extLst>
+              <a:ext uri="{FF2B5EF4-FFF2-40B4-BE49-F238E27FC236}">
                 <a16:creationId xmlns:a16="http://schemas.microsoft.com/office/drawing/2014/main" id="{638D6AEC-B727-4EDC-8854-4538E37133CB}"/>
               </a:ext>
             </a:extLst>
@@ -6897,7 +7145,7 @@
             <a:fld id="{8F4EACC7-37E3-43A5-A5FB-BEB9CE95D266}" type="slidenum">
               <a:rPr lang="zh-TW" altLang="en-US" smtClean="0"/>
               <a:pPr/>
-              <a:t>12</a:t>
+              <a:t>13</a:t>
             </a:fld>
             <a:endParaRPr lang="zh-TW" altLang="en-US"/>
           </a:p>
@@ -7052,7 +7300,7 @@
 </p:sld>
 </file>
 
-<file path=ppt/slides/slide14.xml><?xml version="1.0" encoding="utf-8"?>
+<file path=ppt/slides/slide15.xml><?xml version="1.0" encoding="utf-8"?>
 <p:sld xmlns:a="http://schemas.openxmlformats.org/drawingml/2006/main" xmlns:r="http://schemas.openxmlformats.org/officeDocument/2006/relationships" xmlns:p="http://schemas.openxmlformats.org/presentationml/2006/main">
   <p:cSld>
     <p:spTree>
@@ -7121,7 +7369,7 @@
             <a:fld id="{8F4EACC7-37E3-43A5-A5FB-BEB9CE95D266}" type="slidenum">
               <a:rPr lang="zh-TW" altLang="en-US" smtClean="0"/>
               <a:pPr/>
-              <a:t>13</a:t>
+              <a:t>14</a:t>
             </a:fld>
             <a:endParaRPr lang="zh-TW" altLang="en-US"/>
           </a:p>
@@ -7244,220 +7492,6 @@
 </p:sld>
 </file>
 
-<file path=ppt/slides/slide15.xml><?xml version="1.0" encoding="utf-8"?>
-<p:sld xmlns:a="http://schemas.openxmlformats.org/drawingml/2006/main" xmlns:r="http://schemas.openxmlformats.org/officeDocument/2006/relationships" xmlns:p="http://schemas.openxmlformats.org/presentationml/2006/main">
-  <p:cSld>
-    <p:spTree>
-      <p:nvGrpSpPr>
-        <p:cNvPr id="1" name=""/>
-        <p:cNvGrpSpPr/>
-        <p:nvPr/>
-      </p:nvGrpSpPr>
-      <p:grpSpPr>
-        <a:xfrm>
-          <a:off x="0" y="0"/>
-          <a:ext cx="0" cy="0"/>
-          <a:chOff x="0" y="0"/>
-          <a:chExt cx="0" cy="0"/>
-        </a:xfrm>
-      </p:grpSpPr>
-      <p:sp>
-        <p:nvSpPr>
-          <p:cNvPr id="2" name="內容版面配置區 1">
-            <a:extLst>
-              <a:ext uri="{FF2B5EF4-FFF2-40B4-BE49-F238E27FC236}">
-                <a16:creationId xmlns:a16="http://schemas.microsoft.com/office/drawing/2014/main" id="{994C2E33-B54C-402D-B243-A895CC3E10DD}"/>
-              </a:ext>
-            </a:extLst>
-          </p:cNvPr>
-          <p:cNvSpPr>
-            <a:spLocks noGrp="1"/>
-          </p:cNvSpPr>
-          <p:nvPr>
-            <p:ph idx="1"/>
-          </p:nvPr>
-        </p:nvSpPr>
-        <p:spPr>
-          <a:xfrm>
-            <a:off x="272480" y="764704"/>
-            <a:ext cx="9328720" cy="5879678"/>
-          </a:xfrm>
-        </p:spPr>
-        <p:txBody>
-          <a:bodyPr>
-            <a:normAutofit/>
-          </a:bodyPr>
-          <a:lstStyle/>
-          <a:p>
-            <a:r>
-              <a:rPr lang="en-US" dirty="0" err="1"/>
-              <a:t>Data</a:t>
-            </a:r>
-            <a:r>
-              <a:rPr lang="en-US" altLang="zh-TW" dirty="0" err="1"/>
-              <a:t>Frame</a:t>
-            </a:r>
-            <a:r>
-              <a:rPr lang="en-US" dirty="0"/>
-              <a:t> Inspection</a:t>
-            </a:r>
-          </a:p>
-          <a:p>
-            <a:r>
-              <a:rPr lang="en-US" dirty="0"/>
-              <a:t>Missing Data</a:t>
-            </a:r>
-          </a:p>
-          <a:p>
-            <a:r>
-              <a:rPr lang="en-US" dirty="0"/>
-              <a:t>Outlier</a:t>
-            </a:r>
-            <a:endParaRPr lang="zh-TW" altLang="en-US" dirty="0"/>
-          </a:p>
-          <a:p>
-            <a:r>
-              <a:rPr lang="en-US" altLang="zh-TW" dirty="0">
-                <a:solidFill>
-                  <a:srgbClr val="FF0000"/>
-                </a:solidFill>
-              </a:rPr>
-              <a:t>Inconsistent Data</a:t>
-            </a:r>
-            <a:r>
-              <a:rPr lang="zh-TW" altLang="en-US" dirty="0">
-                <a:solidFill>
-                  <a:srgbClr val="FF0000"/>
-                </a:solidFill>
-              </a:rPr>
-              <a:t> </a:t>
-            </a:r>
-            <a:r>
-              <a:rPr lang="en-US" b="0" dirty="0">
-                <a:solidFill>
-                  <a:srgbClr val="FF0000"/>
-                </a:solidFill>
-              </a:rPr>
-              <a:t>e.g. N</a:t>
-            </a:r>
-            <a:r>
-              <a:rPr lang="en-US" altLang="zh-TW" b="0" dirty="0">
-                <a:solidFill>
-                  <a:srgbClr val="FF0000"/>
-                </a:solidFill>
-              </a:rPr>
-              <a:t>egative Age</a:t>
-            </a:r>
-            <a:endParaRPr lang="zh-TW" altLang="en-US" b="0" dirty="0">
-              <a:solidFill>
-                <a:srgbClr val="FF0000"/>
-              </a:solidFill>
-            </a:endParaRPr>
-          </a:p>
-          <a:p>
-            <a:r>
-              <a:rPr lang="en-US" altLang="zh-TW" dirty="0"/>
-              <a:t>Categorical Data</a:t>
-            </a:r>
-            <a:r>
-              <a:rPr lang="zh-TW" altLang="en-US" dirty="0"/>
-              <a:t> </a:t>
-            </a:r>
-            <a:r>
-              <a:rPr lang="en-US" altLang="zh-TW" b="0" dirty="0"/>
-              <a:t>e.g. Natural Language Data</a:t>
-            </a:r>
-          </a:p>
-          <a:p>
-            <a:r>
-              <a:rPr lang="en-US" dirty="0"/>
-              <a:t>Normalization</a:t>
-            </a:r>
-          </a:p>
-          <a:p>
-            <a:r>
-              <a:rPr lang="en-US" dirty="0"/>
-              <a:t>Feature </a:t>
-            </a:r>
-            <a:r>
-              <a:rPr lang="en-US" altLang="zh-TW" dirty="0"/>
-              <a:t>Generation</a:t>
-            </a:r>
-            <a:endParaRPr lang="en-US" dirty="0"/>
-          </a:p>
-        </p:txBody>
-      </p:sp>
-      <p:sp>
-        <p:nvSpPr>
-          <p:cNvPr id="3" name="投影片編號版面配置區 2">
-            <a:extLst>
-              <a:ext uri="{FF2B5EF4-FFF2-40B4-BE49-F238E27FC236}">
-                <a16:creationId xmlns:a16="http://schemas.microsoft.com/office/drawing/2014/main" id="{3870C979-4240-4E32-9C5A-D08523E61621}"/>
-              </a:ext>
-            </a:extLst>
-          </p:cNvPr>
-          <p:cNvSpPr>
-            <a:spLocks noGrp="1"/>
-          </p:cNvSpPr>
-          <p:nvPr>
-            <p:ph type="sldNum" sz="quarter" idx="12"/>
-          </p:nvPr>
-        </p:nvSpPr>
-        <p:spPr/>
-        <p:txBody>
-          <a:bodyPr/>
-          <a:lstStyle/>
-          <a:p>
-            <a:fld id="{8F4EACC7-37E3-43A5-A5FB-BEB9CE95D266}" type="slidenum">
-              <a:rPr lang="zh-TW" altLang="en-US" smtClean="0"/>
-              <a:pPr/>
-              <a:t>14</a:t>
-            </a:fld>
-            <a:endParaRPr lang="zh-TW" altLang="en-US"/>
-          </a:p>
-        </p:txBody>
-      </p:sp>
-      <p:sp>
-        <p:nvSpPr>
-          <p:cNvPr id="4" name="標題 3">
-            <a:extLst>
-              <a:ext uri="{FF2B5EF4-FFF2-40B4-BE49-F238E27FC236}">
-                <a16:creationId xmlns:a16="http://schemas.microsoft.com/office/drawing/2014/main" id="{E0C776D6-293F-4DAC-8C58-D84D51E8A9A2}"/>
-              </a:ext>
-            </a:extLst>
-          </p:cNvPr>
-          <p:cNvSpPr>
-            <a:spLocks noGrp="1"/>
-          </p:cNvSpPr>
-          <p:nvPr>
-            <p:ph type="title"/>
-          </p:nvPr>
-        </p:nvSpPr>
-        <p:spPr/>
-        <p:txBody>
-          <a:bodyPr/>
-          <a:lstStyle/>
-          <a:p>
-            <a:r>
-              <a:rPr lang="en-US" dirty="0"/>
-              <a:t>Table of Content</a:t>
-            </a:r>
-          </a:p>
-        </p:txBody>
-      </p:sp>
-    </p:spTree>
-    <p:extLst>
-      <p:ext uri="{BB962C8B-B14F-4D97-AF65-F5344CB8AC3E}">
-        <p14:creationId xmlns:p14="http://schemas.microsoft.com/office/powerpoint/2010/main" val="3145269311"/>
-      </p:ext>
-    </p:extLst>
-  </p:cSld>
-  <p:clrMapOvr>
-    <a:masterClrMapping/>
-  </p:clrMapOvr>
-</p:sld>
-</file>
-
 <file path=ppt/slides/slide16.xml><?xml version="1.0" encoding="utf-8"?>
 <p:sld xmlns:a="http://schemas.openxmlformats.org/drawingml/2006/main" xmlns:r="http://schemas.openxmlformats.org/officeDocument/2006/relationships" xmlns:p="http://schemas.openxmlformats.org/presentationml/2006/main">
   <p:cSld>
@@ -7480,7 +7514,7 @@
           <p:cNvPr id="2" name="內容版面配置區 1">
             <a:extLst>
               <a:ext uri="{FF2B5EF4-FFF2-40B4-BE49-F238E27FC236}">
-                <a16:creationId xmlns:a16="http://schemas.microsoft.com/office/drawing/2014/main" id="{6115D06D-C29A-49CF-9A2D-59F90DEB4421}"/>
+                <a16:creationId xmlns:a16="http://schemas.microsoft.com/office/drawing/2014/main" id="{994C2E33-B54C-402D-B243-A895CC3E10DD}"/>
               </a:ext>
             </a:extLst>
           </p:cNvPr>
@@ -7491,23 +7525,112 @@
             <p:ph idx="1"/>
           </p:nvPr>
         </p:nvSpPr>
-        <p:spPr/>
-        <p:txBody>
-          <a:bodyPr/>
+        <p:spPr>
+          <a:xfrm>
+            <a:off x="272480" y="764704"/>
+            <a:ext cx="9328720" cy="5879678"/>
+          </a:xfrm>
+        </p:spPr>
+        <p:txBody>
+          <a:bodyPr>
+            <a:normAutofit/>
+          </a:bodyPr>
           <a:lstStyle/>
           <a:p>
             <a:r>
+              <a:rPr lang="en-US" dirty="0" err="1"/>
+              <a:t>Data</a:t>
+            </a:r>
+            <a:r>
+              <a:rPr lang="en-US" altLang="zh-TW" dirty="0" err="1"/>
+              <a:t>Frame</a:t>
+            </a:r>
+            <a:r>
               <a:rPr lang="en-US" dirty="0"/>
-              <a:t>Detection: Domain Knowledge</a:t>
+              <a:t> Inspection</a:t>
             </a:r>
           </a:p>
           <a:p>
             <a:r>
               <a:rPr lang="en-US" dirty="0"/>
-              <a:t>Processing: Domain Knowledge</a:t>
-            </a:r>
-          </a:p>
-          <a:p>
+              <a:t>Missing Data</a:t>
+            </a:r>
+          </a:p>
+          <a:p>
+            <a:r>
+              <a:rPr lang="en-US" dirty="0"/>
+              <a:t>Outlier</a:t>
+            </a:r>
+            <a:endParaRPr lang="zh-TW" altLang="en-US" dirty="0"/>
+          </a:p>
+          <a:p>
+            <a:r>
+              <a:rPr lang="en-US" altLang="zh-TW" dirty="0">
+                <a:solidFill>
+                  <a:srgbClr val="FF0000"/>
+                </a:solidFill>
+              </a:rPr>
+              <a:t>Inconsistent Data</a:t>
+            </a:r>
+            <a:r>
+              <a:rPr lang="zh-TW" altLang="en-US" dirty="0">
+                <a:solidFill>
+                  <a:srgbClr val="FF0000"/>
+                </a:solidFill>
+              </a:rPr>
+              <a:t> </a:t>
+            </a:r>
+            <a:r>
+              <a:rPr lang="en-US" b="0" dirty="0">
+                <a:solidFill>
+                  <a:srgbClr val="FF0000"/>
+                </a:solidFill>
+              </a:rPr>
+              <a:t>e.g. N</a:t>
+            </a:r>
+            <a:r>
+              <a:rPr lang="en-US" altLang="zh-TW" b="0" dirty="0">
+                <a:solidFill>
+                  <a:srgbClr val="FF0000"/>
+                </a:solidFill>
+              </a:rPr>
+              <a:t>egative Age</a:t>
+            </a:r>
+            <a:endParaRPr lang="zh-TW" altLang="en-US" b="0" dirty="0">
+              <a:solidFill>
+                <a:srgbClr val="FF0000"/>
+              </a:solidFill>
+            </a:endParaRPr>
+          </a:p>
+          <a:p>
+            <a:r>
+              <a:rPr lang="en-US" altLang="zh-TW" dirty="0"/>
+              <a:t>Categorical Data</a:t>
+            </a:r>
+            <a:r>
+              <a:rPr lang="zh-TW" altLang="en-US" dirty="0"/>
+              <a:t> </a:t>
+            </a:r>
+            <a:r>
+              <a:rPr lang="en-US" altLang="zh-TW" b="0" dirty="0"/>
+              <a:t>e.g. Natural Language Data</a:t>
+            </a:r>
+          </a:p>
+          <a:p>
+            <a:r>
+              <a:rPr lang="en-US" dirty="0"/>
+              <a:t>Normalization</a:t>
+            </a:r>
+          </a:p>
+          <a:p>
+            <a:r>
+              <a:rPr lang="en-US" dirty="0"/>
+              <a:t>Feature </a:t>
+            </a:r>
+            <a:r>
+              <a:rPr lang="en-US" altLang="zh-TW" dirty="0"/>
+              <a:t>Generation</a:t>
+            </a:r>
             <a:endParaRPr lang="en-US" dirty="0"/>
           </a:p>
         </p:txBody>
@@ -7517,7 +7640,7 @@
           <p:cNvPr id="3" name="投影片編號版面配置區 2">
             <a:extLst>
               <a:ext uri="{FF2B5EF4-FFF2-40B4-BE49-F238E27FC236}">
-                <a16:creationId xmlns:a16="http://schemas.microsoft.com/office/drawing/2014/main" id="{69E85EB9-E280-47CF-8509-C94B75CB45AA}"/>
+                <a16:creationId xmlns:a16="http://schemas.microsoft.com/office/drawing/2014/main" id="{3870C979-4240-4E32-9C5A-D08523E61621}"/>
               </a:ext>
             </a:extLst>
           </p:cNvPr>
@@ -7547,7 +7670,7 @@
           <p:cNvPr id="4" name="標題 3">
             <a:extLst>
               <a:ext uri="{FF2B5EF4-FFF2-40B4-BE49-F238E27FC236}">
-                <a16:creationId xmlns:a16="http://schemas.microsoft.com/office/drawing/2014/main" id="{F71E92F6-87EF-425C-945D-FB5943A58E61}"/>
+                <a16:creationId xmlns:a16="http://schemas.microsoft.com/office/drawing/2014/main" id="{E0C776D6-293F-4DAC-8C58-D84D51E8A9A2}"/>
               </a:ext>
             </a:extLst>
           </p:cNvPr>
@@ -7565,7 +7688,7 @@
           <a:p>
             <a:r>
               <a:rPr lang="en-US" dirty="0"/>
-              <a:t>Inconsistent Data </a:t>
+              <a:t>Table of Content</a:t>
             </a:r>
           </a:p>
         </p:txBody>
@@ -7573,7 +7696,7 @@
     </p:spTree>
     <p:extLst>
       <p:ext uri="{BB962C8B-B14F-4D97-AF65-F5344CB8AC3E}">
-        <p14:creationId xmlns:p14="http://schemas.microsoft.com/office/powerpoint/2010/main" val="1474054419"/>
+        <p14:creationId xmlns:p14="http://schemas.microsoft.com/office/powerpoint/2010/main" val="3145269311"/>
       </p:ext>
     </p:extLst>
   </p:cSld>
@@ -7605,7 +7728,7 @@
           <p:cNvPr id="2" name="內容版面配置區 1">
             <a:extLst>
               <a:ext uri="{FF2B5EF4-FFF2-40B4-BE49-F238E27FC236}">
-                <a16:creationId xmlns:a16="http://schemas.microsoft.com/office/drawing/2014/main" id="{994C2E33-B54C-402D-B243-A895CC3E10DD}"/>
+                <a16:creationId xmlns:a16="http://schemas.microsoft.com/office/drawing/2014/main" id="{6115D06D-C29A-49CF-9A2D-59F90DEB4421}"/>
               </a:ext>
             </a:extLst>
           </p:cNvPr>
@@ -7616,104 +7739,23 @@
             <p:ph idx="1"/>
           </p:nvPr>
         </p:nvSpPr>
-        <p:spPr>
-          <a:xfrm>
-            <a:off x="272480" y="764704"/>
-            <a:ext cx="9328720" cy="5879678"/>
-          </a:xfrm>
-        </p:spPr>
-        <p:txBody>
-          <a:bodyPr>
-            <a:normAutofit/>
-          </a:bodyPr>
+        <p:spPr/>
+        <p:txBody>
+          <a:bodyPr/>
           <a:lstStyle/>
           <a:p>
             <a:r>
-              <a:rPr lang="en-US" dirty="0" err="1"/>
-              <a:t>Data</a:t>
-            </a:r>
-            <a:r>
-              <a:rPr lang="en-US" altLang="zh-TW" dirty="0" err="1"/>
-              <a:t>Frame</a:t>
-            </a:r>
-            <a:r>
               <a:rPr lang="en-US" dirty="0"/>
-              <a:t> Inspection</a:t>
+              <a:t>Detection: Domain Knowledge</a:t>
             </a:r>
           </a:p>
           <a:p>
             <a:r>
               <a:rPr lang="en-US" dirty="0"/>
-              <a:t>Missing Data</a:t>
-            </a:r>
-          </a:p>
-          <a:p>
-            <a:r>
-              <a:rPr lang="en-US" dirty="0"/>
-              <a:t>Outlier</a:t>
-            </a:r>
-            <a:endParaRPr lang="zh-TW" altLang="en-US" dirty="0"/>
-          </a:p>
-          <a:p>
-            <a:r>
-              <a:rPr lang="en-US" altLang="zh-TW" dirty="0"/>
-              <a:t>Inconsistent Data</a:t>
-            </a:r>
-            <a:r>
-              <a:rPr lang="zh-TW" altLang="en-US" dirty="0"/>
-              <a:t> </a:t>
-            </a:r>
-            <a:r>
-              <a:rPr lang="en-US" b="0" dirty="0"/>
-              <a:t>e.g. N</a:t>
-            </a:r>
-            <a:r>
-              <a:rPr lang="en-US" altLang="zh-TW" b="0" dirty="0"/>
-              <a:t>egative Age</a:t>
-            </a:r>
-            <a:endParaRPr lang="zh-TW" altLang="en-US" b="0" dirty="0"/>
-          </a:p>
-          <a:p>
-            <a:r>
-              <a:rPr lang="en-US" altLang="zh-TW" dirty="0">
-                <a:solidFill>
-                  <a:srgbClr val="FF0000"/>
-                </a:solidFill>
-              </a:rPr>
-              <a:t>Categorical Data</a:t>
-            </a:r>
-            <a:r>
-              <a:rPr lang="zh-TW" altLang="en-US" dirty="0">
-                <a:solidFill>
-                  <a:srgbClr val="FF0000"/>
-                </a:solidFill>
-              </a:rPr>
-              <a:t> </a:t>
-            </a:r>
-            <a:r>
-              <a:rPr lang="en-US" altLang="zh-TW" b="0" dirty="0">
-                <a:solidFill>
-                  <a:srgbClr val="FF0000"/>
-                </a:solidFill>
-              </a:rPr>
-              <a:t>e.g. Natural Language Data</a:t>
-            </a:r>
-          </a:p>
-          <a:p>
-            <a:r>
-              <a:rPr lang="en-US" dirty="0"/>
-              <a:t>Normalization</a:t>
-            </a:r>
-          </a:p>
-          <a:p>
-            <a:r>
-              <a:rPr lang="en-US" dirty="0"/>
-              <a:t>Feature </a:t>
-            </a:r>
-            <a:r>
-              <a:rPr lang="en-US" altLang="zh-TW" dirty="0"/>
-              <a:t>Generation</a:t>
-            </a:r>
+              <a:t>Processing: Domain Knowledge</a:t>
+            </a:r>
+          </a:p>
+          <a:p>
             <a:endParaRPr lang="en-US" dirty="0"/>
           </a:p>
         </p:txBody>
@@ -7723,7 +7765,7 @@
           <p:cNvPr id="3" name="投影片編號版面配置區 2">
             <a:extLst>
               <a:ext uri="{FF2B5EF4-FFF2-40B4-BE49-F238E27FC236}">
-                <a16:creationId xmlns:a16="http://schemas.microsoft.com/office/drawing/2014/main" id="{3870C979-4240-4E32-9C5A-D08523E61621}"/>
+                <a16:creationId xmlns:a16="http://schemas.microsoft.com/office/drawing/2014/main" id="{69E85EB9-E280-47CF-8509-C94B75CB45AA}"/>
               </a:ext>
             </a:extLst>
           </p:cNvPr>
@@ -7753,7 +7795,7 @@
           <p:cNvPr id="4" name="標題 3">
             <a:extLst>
               <a:ext uri="{FF2B5EF4-FFF2-40B4-BE49-F238E27FC236}">
-                <a16:creationId xmlns:a16="http://schemas.microsoft.com/office/drawing/2014/main" id="{E0C776D6-293F-4DAC-8C58-D84D51E8A9A2}"/>
+                <a16:creationId xmlns:a16="http://schemas.microsoft.com/office/drawing/2014/main" id="{F71E92F6-87EF-425C-945D-FB5943A58E61}"/>
               </a:ext>
             </a:extLst>
           </p:cNvPr>
@@ -7771,7 +7813,7 @@
           <a:p>
             <a:r>
               <a:rPr lang="en-US" dirty="0"/>
-              <a:t>Table of Content</a:t>
+              <a:t>Inconsistent Data </a:t>
             </a:r>
           </a:p>
         </p:txBody>
@@ -7779,7 +7821,7 @@
     </p:spTree>
     <p:extLst>
       <p:ext uri="{BB962C8B-B14F-4D97-AF65-F5344CB8AC3E}">
-        <p14:creationId xmlns:p14="http://schemas.microsoft.com/office/powerpoint/2010/main" val="751717709"/>
+        <p14:creationId xmlns:p14="http://schemas.microsoft.com/office/powerpoint/2010/main" val="1474054419"/>
       </p:ext>
     </p:extLst>
   </p:cSld>
@@ -7808,6 +7850,212 @@
       </p:grpSpPr>
       <p:sp>
         <p:nvSpPr>
+          <p:cNvPr id="2" name="內容版面配置區 1">
+            <a:extLst>
+              <a:ext uri="{FF2B5EF4-FFF2-40B4-BE49-F238E27FC236}">
+                <a16:creationId xmlns:a16="http://schemas.microsoft.com/office/drawing/2014/main" id="{994C2E33-B54C-402D-B243-A895CC3E10DD}"/>
+              </a:ext>
+            </a:extLst>
+          </p:cNvPr>
+          <p:cNvSpPr>
+            <a:spLocks noGrp="1"/>
+          </p:cNvSpPr>
+          <p:nvPr>
+            <p:ph idx="1"/>
+          </p:nvPr>
+        </p:nvSpPr>
+        <p:spPr>
+          <a:xfrm>
+            <a:off x="272480" y="764704"/>
+            <a:ext cx="9328720" cy="5879678"/>
+          </a:xfrm>
+        </p:spPr>
+        <p:txBody>
+          <a:bodyPr>
+            <a:normAutofit/>
+          </a:bodyPr>
+          <a:lstStyle/>
+          <a:p>
+            <a:r>
+              <a:rPr lang="en-US" dirty="0" err="1"/>
+              <a:t>Data</a:t>
+            </a:r>
+            <a:r>
+              <a:rPr lang="en-US" altLang="zh-TW" dirty="0" err="1"/>
+              <a:t>Frame</a:t>
+            </a:r>
+            <a:r>
+              <a:rPr lang="en-US" dirty="0"/>
+              <a:t> Inspection</a:t>
+            </a:r>
+          </a:p>
+          <a:p>
+            <a:r>
+              <a:rPr lang="en-US" dirty="0"/>
+              <a:t>Missing Data</a:t>
+            </a:r>
+          </a:p>
+          <a:p>
+            <a:r>
+              <a:rPr lang="en-US" dirty="0"/>
+              <a:t>Outlier</a:t>
+            </a:r>
+            <a:endParaRPr lang="zh-TW" altLang="en-US" dirty="0"/>
+          </a:p>
+          <a:p>
+            <a:r>
+              <a:rPr lang="en-US" altLang="zh-TW" dirty="0"/>
+              <a:t>Inconsistent Data</a:t>
+            </a:r>
+            <a:r>
+              <a:rPr lang="zh-TW" altLang="en-US" dirty="0"/>
+              <a:t> </a:t>
+            </a:r>
+            <a:r>
+              <a:rPr lang="en-US" b="0" dirty="0"/>
+              <a:t>e.g. N</a:t>
+            </a:r>
+            <a:r>
+              <a:rPr lang="en-US" altLang="zh-TW" b="0" dirty="0"/>
+              <a:t>egative Age</a:t>
+            </a:r>
+            <a:endParaRPr lang="zh-TW" altLang="en-US" b="0" dirty="0"/>
+          </a:p>
+          <a:p>
+            <a:r>
+              <a:rPr lang="en-US" altLang="zh-TW" dirty="0">
+                <a:solidFill>
+                  <a:srgbClr val="FF0000"/>
+                </a:solidFill>
+              </a:rPr>
+              <a:t>Categorical Data</a:t>
+            </a:r>
+            <a:r>
+              <a:rPr lang="zh-TW" altLang="en-US" dirty="0">
+                <a:solidFill>
+                  <a:srgbClr val="FF0000"/>
+                </a:solidFill>
+              </a:rPr>
+              <a:t> </a:t>
+            </a:r>
+            <a:r>
+              <a:rPr lang="en-US" altLang="zh-TW" b="0" dirty="0">
+                <a:solidFill>
+                  <a:srgbClr val="FF0000"/>
+                </a:solidFill>
+              </a:rPr>
+              <a:t>e.g. Natural Language Data</a:t>
+            </a:r>
+          </a:p>
+          <a:p>
+            <a:r>
+              <a:rPr lang="en-US" dirty="0"/>
+              <a:t>Normalization</a:t>
+            </a:r>
+          </a:p>
+          <a:p>
+            <a:r>
+              <a:rPr lang="en-US" dirty="0"/>
+              <a:t>Feature </a:t>
+            </a:r>
+            <a:r>
+              <a:rPr lang="en-US" altLang="zh-TW" dirty="0"/>
+              <a:t>Generation</a:t>
+            </a:r>
+            <a:endParaRPr lang="en-US" dirty="0"/>
+          </a:p>
+        </p:txBody>
+      </p:sp>
+      <p:sp>
+        <p:nvSpPr>
+          <p:cNvPr id="3" name="投影片編號版面配置區 2">
+            <a:extLst>
+              <a:ext uri="{FF2B5EF4-FFF2-40B4-BE49-F238E27FC236}">
+                <a16:creationId xmlns:a16="http://schemas.microsoft.com/office/drawing/2014/main" id="{3870C979-4240-4E32-9C5A-D08523E61621}"/>
+              </a:ext>
+            </a:extLst>
+          </p:cNvPr>
+          <p:cNvSpPr>
+            <a:spLocks noGrp="1"/>
+          </p:cNvSpPr>
+          <p:nvPr>
+            <p:ph type="sldNum" sz="quarter" idx="12"/>
+          </p:nvPr>
+        </p:nvSpPr>
+        <p:spPr/>
+        <p:txBody>
+          <a:bodyPr/>
+          <a:lstStyle/>
+          <a:p>
+            <a:fld id="{8F4EACC7-37E3-43A5-A5FB-BEB9CE95D266}" type="slidenum">
+              <a:rPr lang="zh-TW" altLang="en-US" smtClean="0"/>
+              <a:pPr/>
+              <a:t>17</a:t>
+            </a:fld>
+            <a:endParaRPr lang="zh-TW" altLang="en-US"/>
+          </a:p>
+        </p:txBody>
+      </p:sp>
+      <p:sp>
+        <p:nvSpPr>
+          <p:cNvPr id="4" name="標題 3">
+            <a:extLst>
+              <a:ext uri="{FF2B5EF4-FFF2-40B4-BE49-F238E27FC236}">
+                <a16:creationId xmlns:a16="http://schemas.microsoft.com/office/drawing/2014/main" id="{E0C776D6-293F-4DAC-8C58-D84D51E8A9A2}"/>
+              </a:ext>
+            </a:extLst>
+          </p:cNvPr>
+          <p:cNvSpPr>
+            <a:spLocks noGrp="1"/>
+          </p:cNvSpPr>
+          <p:nvPr>
+            <p:ph type="title"/>
+          </p:nvPr>
+        </p:nvSpPr>
+        <p:spPr/>
+        <p:txBody>
+          <a:bodyPr/>
+          <a:lstStyle/>
+          <a:p>
+            <a:r>
+              <a:rPr lang="en-US" dirty="0"/>
+              <a:t>Table of Content</a:t>
+            </a:r>
+          </a:p>
+        </p:txBody>
+      </p:sp>
+    </p:spTree>
+    <p:extLst>
+      <p:ext uri="{BB962C8B-B14F-4D97-AF65-F5344CB8AC3E}">
+        <p14:creationId xmlns:p14="http://schemas.microsoft.com/office/powerpoint/2010/main" val="751717709"/>
+      </p:ext>
+    </p:extLst>
+  </p:cSld>
+  <p:clrMapOvr>
+    <a:masterClrMapping/>
+  </p:clrMapOvr>
+</p:sld>
+</file>
+
+<file path=ppt/slides/slide19.xml><?xml version="1.0" encoding="utf-8"?>
+<p:sld xmlns:a="http://schemas.openxmlformats.org/drawingml/2006/main" xmlns:r="http://schemas.openxmlformats.org/officeDocument/2006/relationships" xmlns:p="http://schemas.openxmlformats.org/presentationml/2006/main">
+  <p:cSld>
+    <p:spTree>
+      <p:nvGrpSpPr>
+        <p:cNvPr id="1" name=""/>
+        <p:cNvGrpSpPr/>
+        <p:nvPr/>
+      </p:nvGrpSpPr>
+      <p:grpSpPr>
+        <a:xfrm>
+          <a:off x="0" y="0"/>
+          <a:ext cx="0" cy="0"/>
+          <a:chOff x="0" y="0"/>
+          <a:chExt cx="0" cy="0"/>
+        </a:xfrm>
+      </p:grpSpPr>
+      <p:sp>
+        <p:nvSpPr>
           <p:cNvPr id="8" name="內容版面配置區 1">
             <a:extLst>
               <a:ext uri="{FF2B5EF4-FFF2-40B4-BE49-F238E27FC236}">
@@ -7835,12 +8083,12 @@
           <a:lstStyle/>
           <a:p>
             <a:r>
-              <a:rPr lang="en-US" altLang="zh-TW" dirty="0" err="1"/>
-              <a:t>OneHot</a:t>
+              <a:rPr lang="en-US" altLang="zh-TW" dirty="0" smtClean="0"/>
+              <a:t>Label </a:t>
             </a:r>
             <a:r>
               <a:rPr lang="en-US" altLang="zh-TW" dirty="0"/>
-              <a:t> Encoding</a:t>
+              <a:t>Encoding</a:t>
             </a:r>
           </a:p>
           <a:p>
@@ -7854,15 +8102,6 @@
           </a:p>
           <a:p>
             <a:endParaRPr lang="en-US" dirty="0"/>
-          </a:p>
-          <a:p>
-            <a:endParaRPr lang="en-US" dirty="0"/>
-          </a:p>
-          <a:p>
-            <a:r>
-              <a:rPr lang="en-US" dirty="0"/>
-              <a:t>NLP Example</a:t>
-            </a:r>
           </a:p>
         </p:txBody>
       </p:sp>
@@ -7890,7 +8129,306 @@
             <a:fld id="{8F4EACC7-37E3-43A5-A5FB-BEB9CE95D266}" type="slidenum">
               <a:rPr lang="zh-TW" altLang="en-US" smtClean="0"/>
               <a:pPr/>
-              <a:t>17</a:t>
+              <a:t>18</a:t>
+            </a:fld>
+            <a:endParaRPr lang="zh-TW" altLang="en-US"/>
+          </a:p>
+        </p:txBody>
+      </p:sp>
+      <p:sp>
+        <p:nvSpPr>
+          <p:cNvPr id="4" name="標題 3">
+            <a:extLst>
+              <a:ext uri="{FF2B5EF4-FFF2-40B4-BE49-F238E27FC236}">
+                <a16:creationId xmlns:a16="http://schemas.microsoft.com/office/drawing/2014/main" id="{A8A808F9-4CD5-4260-B548-5AC6EA64F86E}"/>
+              </a:ext>
+            </a:extLst>
+          </p:cNvPr>
+          <p:cNvSpPr>
+            <a:spLocks noGrp="1"/>
+          </p:cNvSpPr>
+          <p:nvPr>
+            <p:ph type="title"/>
+          </p:nvPr>
+        </p:nvSpPr>
+        <p:spPr/>
+        <p:txBody>
+          <a:bodyPr/>
+          <a:lstStyle/>
+          <a:p>
+            <a:r>
+              <a:rPr lang="en-US" dirty="0"/>
+              <a:t>Categorical Data</a:t>
+            </a:r>
+          </a:p>
+        </p:txBody>
+      </p:sp>
+      <p:pic>
+        <p:nvPicPr>
+          <p:cNvPr id="2" name="圖片 1"/>
+          <p:cNvPicPr>
+            <a:picLocks noChangeAspect="1"/>
+          </p:cNvPicPr>
+          <p:nvPr/>
+        </p:nvPicPr>
+        <p:blipFill>
+          <a:blip r:embed="rId2"/>
+          <a:stretch>
+            <a:fillRect/>
+          </a:stretch>
+        </p:blipFill>
+        <p:spPr>
+          <a:xfrm>
+            <a:off x="521772" y="1752600"/>
+            <a:ext cx="8862456" cy="3481388"/>
+          </a:xfrm>
+          <a:prstGeom prst="rect">
+            <a:avLst/>
+          </a:prstGeom>
+        </p:spPr>
+      </p:pic>
+    </p:spTree>
+    <p:extLst>
+      <p:ext uri="{BB962C8B-B14F-4D97-AF65-F5344CB8AC3E}">
+        <p14:creationId xmlns:p14="http://schemas.microsoft.com/office/powerpoint/2010/main" val="850277625"/>
+      </p:ext>
+    </p:extLst>
+  </p:cSld>
+  <p:clrMapOvr>
+    <a:masterClrMapping/>
+  </p:clrMapOvr>
+</p:sld>
+</file>
+
+<file path=ppt/slides/slide2.xml><?xml version="1.0" encoding="utf-8"?>
+<p:sld xmlns:a="http://schemas.openxmlformats.org/drawingml/2006/main" xmlns:r="http://schemas.openxmlformats.org/officeDocument/2006/relationships" xmlns:p="http://schemas.openxmlformats.org/presentationml/2006/main">
+  <p:cSld>
+    <p:spTree>
+      <p:nvGrpSpPr>
+        <p:cNvPr id="1" name=""/>
+        <p:cNvGrpSpPr/>
+        <p:nvPr/>
+      </p:nvGrpSpPr>
+      <p:grpSpPr>
+        <a:xfrm>
+          <a:off x="0" y="0"/>
+          <a:ext cx="0" cy="0"/>
+          <a:chOff x="0" y="0"/>
+          <a:chExt cx="0" cy="0"/>
+        </a:xfrm>
+      </p:grpSpPr>
+      <p:sp>
+        <p:nvSpPr>
+          <p:cNvPr id="2" name="內容版面配置區 1">
+            <a:extLst>
+              <a:ext uri="{FF2B5EF4-FFF2-40B4-BE49-F238E27FC236}">
+                <a16:creationId xmlns:a16="http://schemas.microsoft.com/office/drawing/2014/main" id="{C097A585-27F3-44F2-B87C-DA48C741B23D}"/>
+              </a:ext>
+            </a:extLst>
+          </p:cNvPr>
+          <p:cNvSpPr>
+            <a:spLocks noGrp="1"/>
+          </p:cNvSpPr>
+          <p:nvPr>
+            <p:ph idx="1"/>
+          </p:nvPr>
+        </p:nvSpPr>
+        <p:spPr/>
+        <p:txBody>
+          <a:bodyPr/>
+          <a:lstStyle/>
+          <a:p>
+            <a:r>
+              <a:rPr lang="en-US" dirty="0"/>
+              <a:t>Convert data to be understood by the model </a:t>
+            </a:r>
+          </a:p>
+          <a:p>
+            <a:r>
+              <a:rPr lang="en-US" dirty="0"/>
+              <a:t>Help model Learn Efficiently</a:t>
+            </a:r>
+          </a:p>
+        </p:txBody>
+      </p:sp>
+      <p:sp>
+        <p:nvSpPr>
+          <p:cNvPr id="3" name="投影片編號版面配置區 2">
+            <a:extLst>
+              <a:ext uri="{FF2B5EF4-FFF2-40B4-BE49-F238E27FC236}">
+                <a16:creationId xmlns:a16="http://schemas.microsoft.com/office/drawing/2014/main" id="{5055D2BF-36C3-43B5-BFF8-E1B381260BD1}"/>
+              </a:ext>
+            </a:extLst>
+          </p:cNvPr>
+          <p:cNvSpPr>
+            <a:spLocks noGrp="1"/>
+          </p:cNvSpPr>
+          <p:nvPr>
+            <p:ph type="sldNum" sz="quarter" idx="12"/>
+          </p:nvPr>
+        </p:nvSpPr>
+        <p:spPr/>
+        <p:txBody>
+          <a:bodyPr/>
+          <a:lstStyle/>
+          <a:p>
+            <a:fld id="{8F4EACC7-37E3-43A5-A5FB-BEB9CE95D266}" type="slidenum">
+              <a:rPr lang="zh-TW" altLang="en-US" smtClean="0"/>
+              <a:pPr/>
+              <a:t>1</a:t>
+            </a:fld>
+            <a:endParaRPr lang="zh-TW" altLang="en-US"/>
+          </a:p>
+        </p:txBody>
+      </p:sp>
+      <p:sp>
+        <p:nvSpPr>
+          <p:cNvPr id="4" name="標題 3">
+            <a:extLst>
+              <a:ext uri="{FF2B5EF4-FFF2-40B4-BE49-F238E27FC236}">
+                <a16:creationId xmlns:a16="http://schemas.microsoft.com/office/drawing/2014/main" id="{DA53E060-A7D8-4EC4-B558-CD18BD34DD45}"/>
+              </a:ext>
+            </a:extLst>
+          </p:cNvPr>
+          <p:cNvSpPr>
+            <a:spLocks noGrp="1"/>
+          </p:cNvSpPr>
+          <p:nvPr>
+            <p:ph type="title"/>
+          </p:nvPr>
+        </p:nvSpPr>
+        <p:spPr/>
+        <p:txBody>
+          <a:bodyPr/>
+          <a:lstStyle/>
+          <a:p>
+            <a:r>
+              <a:rPr lang="en-US" dirty="0"/>
+              <a:t>Target of </a:t>
+            </a:r>
+            <a:r>
+              <a:rPr lang="en-US" altLang="zh-TW" dirty="0" err="1"/>
+              <a:t>PreProcessing</a:t>
+            </a:r>
+            <a:endParaRPr lang="en-US" dirty="0"/>
+          </a:p>
+        </p:txBody>
+      </p:sp>
+    </p:spTree>
+    <p:extLst>
+      <p:ext uri="{BB962C8B-B14F-4D97-AF65-F5344CB8AC3E}">
+        <p14:creationId xmlns:p14="http://schemas.microsoft.com/office/powerpoint/2010/main" val="2609124175"/>
+      </p:ext>
+    </p:extLst>
+  </p:cSld>
+  <p:clrMapOvr>
+    <a:masterClrMapping/>
+  </p:clrMapOvr>
+</p:sld>
+</file>
+
+<file path=ppt/slides/slide20.xml><?xml version="1.0" encoding="utf-8"?>
+<p:sld xmlns:a="http://schemas.openxmlformats.org/drawingml/2006/main" xmlns:r="http://schemas.openxmlformats.org/officeDocument/2006/relationships" xmlns:p="http://schemas.openxmlformats.org/presentationml/2006/main">
+  <p:cSld>
+    <p:spTree>
+      <p:nvGrpSpPr>
+        <p:cNvPr id="1" name=""/>
+        <p:cNvGrpSpPr/>
+        <p:nvPr/>
+      </p:nvGrpSpPr>
+      <p:grpSpPr>
+        <a:xfrm>
+          <a:off x="0" y="0"/>
+          <a:ext cx="0" cy="0"/>
+          <a:chOff x="0" y="0"/>
+          <a:chExt cx="0" cy="0"/>
+        </a:xfrm>
+      </p:grpSpPr>
+      <p:sp>
+        <p:nvSpPr>
+          <p:cNvPr id="8" name="內容版面配置區 1">
+            <a:extLst>
+              <a:ext uri="{FF2B5EF4-FFF2-40B4-BE49-F238E27FC236}">
+                <a16:creationId xmlns:a16="http://schemas.microsoft.com/office/drawing/2014/main" id="{65A4E201-3D61-454B-BE26-2CD604BE45BB}"/>
+              </a:ext>
+            </a:extLst>
+          </p:cNvPr>
+          <p:cNvSpPr>
+            <a:spLocks noGrp="1"/>
+          </p:cNvSpPr>
+          <p:nvPr>
+            <p:ph idx="1"/>
+          </p:nvPr>
+        </p:nvSpPr>
+        <p:spPr>
+          <a:xfrm>
+            <a:off x="272480" y="764704"/>
+            <a:ext cx="9328720" cy="5879678"/>
+          </a:xfrm>
+        </p:spPr>
+        <p:txBody>
+          <a:bodyPr>
+            <a:normAutofit/>
+          </a:bodyPr>
+          <a:lstStyle/>
+          <a:p>
+            <a:r>
+              <a:rPr lang="en-US" altLang="zh-TW" dirty="0" err="1"/>
+              <a:t>OneHot</a:t>
+            </a:r>
+            <a:r>
+              <a:rPr lang="en-US" altLang="zh-TW" dirty="0"/>
+              <a:t> Encoding</a:t>
+            </a:r>
+          </a:p>
+          <a:p>
+            <a:endParaRPr lang="en-US" dirty="0"/>
+          </a:p>
+          <a:p>
+            <a:endParaRPr lang="en-US" dirty="0"/>
+          </a:p>
+          <a:p>
+            <a:endParaRPr lang="en-US" dirty="0"/>
+          </a:p>
+          <a:p>
+            <a:endParaRPr lang="en-US" dirty="0"/>
+          </a:p>
+          <a:p>
+            <a:endParaRPr lang="en-US" dirty="0"/>
+          </a:p>
+          <a:p>
+            <a:r>
+              <a:rPr lang="en-US" dirty="0"/>
+              <a:t>NLP Example</a:t>
+            </a:r>
+          </a:p>
+        </p:txBody>
+      </p:sp>
+      <p:sp>
+        <p:nvSpPr>
+          <p:cNvPr id="3" name="投影片編號版面配置區 2">
+            <a:extLst>
+              <a:ext uri="{FF2B5EF4-FFF2-40B4-BE49-F238E27FC236}">
+                <a16:creationId xmlns:a16="http://schemas.microsoft.com/office/drawing/2014/main" id="{E54C8854-DC8B-48F7-947D-30649AF6396E}"/>
+              </a:ext>
+            </a:extLst>
+          </p:cNvPr>
+          <p:cNvSpPr>
+            <a:spLocks noGrp="1"/>
+          </p:cNvSpPr>
+          <p:nvPr>
+            <p:ph type="sldNum" sz="quarter" idx="12"/>
+          </p:nvPr>
+        </p:nvSpPr>
+        <p:spPr/>
+        <p:txBody>
+          <a:bodyPr/>
+          <a:lstStyle/>
+          <a:p>
+            <a:fld id="{8F4EACC7-37E3-43A5-A5FB-BEB9CE95D266}" type="slidenum">
+              <a:rPr lang="zh-TW" altLang="en-US" smtClean="0"/>
+              <a:pPr/>
+              <a:t>19</a:t>
             </a:fld>
             <a:endParaRPr lang="zh-TW" altLang="en-US"/>
           </a:p>
@@ -7987,7 +8525,7 @@
     </p:spTree>
     <p:extLst>
       <p:ext uri="{BB962C8B-B14F-4D97-AF65-F5344CB8AC3E}">
-        <p14:creationId xmlns:p14="http://schemas.microsoft.com/office/powerpoint/2010/main" val="850277625"/>
+        <p14:creationId xmlns:p14="http://schemas.microsoft.com/office/powerpoint/2010/main" val="4180269738"/>
       </p:ext>
     </p:extLst>
   </p:cSld>
@@ -7997,7 +8535,7 @@
 </p:sld>
 </file>
 
-<file path=ppt/slides/slide19.xml><?xml version="1.0" encoding="utf-8"?>
+<file path=ppt/slides/slide21.xml><?xml version="1.0" encoding="utf-8"?>
 <p:sld xmlns:a="http://schemas.openxmlformats.org/drawingml/2006/main" xmlns:r="http://schemas.openxmlformats.org/officeDocument/2006/relationships" xmlns:p="http://schemas.openxmlformats.org/presentationml/2006/main">
   <p:cSld>
     <p:spTree>
@@ -8148,7 +8686,7 @@
             <a:fld id="{8F4EACC7-37E3-43A5-A5FB-BEB9CE95D266}" type="slidenum">
               <a:rPr lang="zh-TW" altLang="en-US" smtClean="0"/>
               <a:pPr/>
-              <a:t>18</a:t>
+              <a:t>20</a:t>
             </a:fld>
             <a:endParaRPr lang="zh-TW" altLang="en-US"/>
           </a:p>
@@ -8195,7 +8733,7 @@
 </p:sld>
 </file>
 
-<file path=ppt/slides/slide2.xml><?xml version="1.0" encoding="utf-8"?>
+<file path=ppt/slides/slide22.xml><?xml version="1.0" encoding="utf-8"?>
 <p:sld xmlns:a="http://schemas.openxmlformats.org/drawingml/2006/main" xmlns:r="http://schemas.openxmlformats.org/officeDocument/2006/relationships" xmlns:p="http://schemas.openxmlformats.org/presentationml/2006/main">
   <p:cSld>
     <p:spTree>
@@ -8217,133 +8755,6 @@
           <p:cNvPr id="2" name="內容版面配置區 1">
             <a:extLst>
               <a:ext uri="{FF2B5EF4-FFF2-40B4-BE49-F238E27FC236}">
-                <a16:creationId xmlns:a16="http://schemas.microsoft.com/office/drawing/2014/main" id="{C097A585-27F3-44F2-B87C-DA48C741B23D}"/>
-              </a:ext>
-            </a:extLst>
-          </p:cNvPr>
-          <p:cNvSpPr>
-            <a:spLocks noGrp="1"/>
-          </p:cNvSpPr>
-          <p:nvPr>
-            <p:ph idx="1"/>
-          </p:nvPr>
-        </p:nvSpPr>
-        <p:spPr/>
-        <p:txBody>
-          <a:bodyPr/>
-          <a:lstStyle/>
-          <a:p>
-            <a:r>
-              <a:rPr lang="en-US" dirty="0"/>
-              <a:t>Convert data to be understood by the model </a:t>
-            </a:r>
-          </a:p>
-          <a:p>
-            <a:r>
-              <a:rPr lang="en-US" dirty="0"/>
-              <a:t>Help model Learn Efficiently</a:t>
-            </a:r>
-          </a:p>
-        </p:txBody>
-      </p:sp>
-      <p:sp>
-        <p:nvSpPr>
-          <p:cNvPr id="3" name="投影片編號版面配置區 2">
-            <a:extLst>
-              <a:ext uri="{FF2B5EF4-FFF2-40B4-BE49-F238E27FC236}">
-                <a16:creationId xmlns:a16="http://schemas.microsoft.com/office/drawing/2014/main" id="{5055D2BF-36C3-43B5-BFF8-E1B381260BD1}"/>
-              </a:ext>
-            </a:extLst>
-          </p:cNvPr>
-          <p:cNvSpPr>
-            <a:spLocks noGrp="1"/>
-          </p:cNvSpPr>
-          <p:nvPr>
-            <p:ph type="sldNum" sz="quarter" idx="12"/>
-          </p:nvPr>
-        </p:nvSpPr>
-        <p:spPr/>
-        <p:txBody>
-          <a:bodyPr/>
-          <a:lstStyle/>
-          <a:p>
-            <a:fld id="{8F4EACC7-37E3-43A5-A5FB-BEB9CE95D266}" type="slidenum">
-              <a:rPr lang="zh-TW" altLang="en-US" smtClean="0"/>
-              <a:pPr/>
-              <a:t>1</a:t>
-            </a:fld>
-            <a:endParaRPr lang="zh-TW" altLang="en-US"/>
-          </a:p>
-        </p:txBody>
-      </p:sp>
-      <p:sp>
-        <p:nvSpPr>
-          <p:cNvPr id="4" name="標題 3">
-            <a:extLst>
-              <a:ext uri="{FF2B5EF4-FFF2-40B4-BE49-F238E27FC236}">
-                <a16:creationId xmlns:a16="http://schemas.microsoft.com/office/drawing/2014/main" id="{DA53E060-A7D8-4EC4-B558-CD18BD34DD45}"/>
-              </a:ext>
-            </a:extLst>
-          </p:cNvPr>
-          <p:cNvSpPr>
-            <a:spLocks noGrp="1"/>
-          </p:cNvSpPr>
-          <p:nvPr>
-            <p:ph type="title"/>
-          </p:nvPr>
-        </p:nvSpPr>
-        <p:spPr/>
-        <p:txBody>
-          <a:bodyPr/>
-          <a:lstStyle/>
-          <a:p>
-            <a:r>
-              <a:rPr lang="en-US" dirty="0"/>
-              <a:t>Target of </a:t>
-            </a:r>
-            <a:r>
-              <a:rPr lang="en-US" altLang="zh-TW" dirty="0" err="1"/>
-              <a:t>PreProcessing</a:t>
-            </a:r>
-            <a:endParaRPr lang="en-US" dirty="0"/>
-          </a:p>
-        </p:txBody>
-      </p:sp>
-    </p:spTree>
-    <p:extLst>
-      <p:ext uri="{BB962C8B-B14F-4D97-AF65-F5344CB8AC3E}">
-        <p14:creationId xmlns:p14="http://schemas.microsoft.com/office/powerpoint/2010/main" val="2609124175"/>
-      </p:ext>
-    </p:extLst>
-  </p:cSld>
-  <p:clrMapOvr>
-    <a:masterClrMapping/>
-  </p:clrMapOvr>
-</p:sld>
-</file>
-
-<file path=ppt/slides/slide20.xml><?xml version="1.0" encoding="utf-8"?>
-<p:sld xmlns:a="http://schemas.openxmlformats.org/drawingml/2006/main" xmlns:r="http://schemas.openxmlformats.org/officeDocument/2006/relationships" xmlns:p="http://schemas.openxmlformats.org/presentationml/2006/main">
-  <p:cSld>
-    <p:spTree>
-      <p:nvGrpSpPr>
-        <p:cNvPr id="1" name=""/>
-        <p:cNvGrpSpPr/>
-        <p:nvPr/>
-      </p:nvGrpSpPr>
-      <p:grpSpPr>
-        <a:xfrm>
-          <a:off x="0" y="0"/>
-          <a:ext cx="0" cy="0"/>
-          <a:chOff x="0" y="0"/>
-          <a:chExt cx="0" cy="0"/>
-        </a:xfrm>
-      </p:grpSpPr>
-      <p:sp>
-        <p:nvSpPr>
-          <p:cNvPr id="2" name="內容版面配置區 1">
-            <a:extLst>
-              <a:ext uri="{FF2B5EF4-FFF2-40B4-BE49-F238E27FC236}">
                 <a16:creationId xmlns:a16="http://schemas.microsoft.com/office/drawing/2014/main" id="{8C475F92-FED1-4715-A4E3-B9A2E251AF49}"/>
               </a:ext>
             </a:extLst>
@@ -8418,7 +8829,7 @@
             <a:fld id="{8F4EACC7-37E3-43A5-A5FB-BEB9CE95D266}" type="slidenum">
               <a:rPr lang="zh-TW" altLang="en-US" smtClean="0"/>
               <a:pPr/>
-              <a:t>19</a:t>
+              <a:t>21</a:t>
             </a:fld>
             <a:endParaRPr lang="zh-TW" altLang="en-US"/>
           </a:p>
@@ -8591,7 +9002,7 @@
 </p:sld>
 </file>
 
-<file path=ppt/slides/slide21.xml><?xml version="1.0" encoding="utf-8"?>
+<file path=ppt/slides/slide23.xml><?xml version="1.0" encoding="utf-8"?>
 <p:sld xmlns:a="http://schemas.openxmlformats.org/drawingml/2006/main" xmlns:r="http://schemas.openxmlformats.org/officeDocument/2006/relationships" xmlns:p="http://schemas.openxmlformats.org/presentationml/2006/main">
   <p:cSld>
     <p:spTree>
@@ -8801,7 +9212,7 @@
             <a:fld id="{8F4EACC7-37E3-43A5-A5FB-BEB9CE95D266}" type="slidenum">
               <a:rPr lang="zh-TW" altLang="en-US" smtClean="0"/>
               <a:pPr/>
-              <a:t>20</a:t>
+              <a:t>22</a:t>
             </a:fld>
             <a:endParaRPr lang="zh-TW" altLang="en-US"/>
           </a:p>
@@ -8884,7 +9295,7 @@
 </p:sld>
 </file>
 
-<file path=ppt/slides/slide22.xml><?xml version="1.0" encoding="utf-8"?>
+<file path=ppt/slides/slide24.xml><?xml version="1.0" encoding="utf-8"?>
 <p:sld xmlns:a="http://schemas.openxmlformats.org/drawingml/2006/main" xmlns:r="http://schemas.openxmlformats.org/officeDocument/2006/relationships" xmlns:p="http://schemas.openxmlformats.org/presentationml/2006/main">
   <p:cSld>
     <p:spTree>
@@ -8957,7 +9368,7 @@
             <a:fld id="{8F4EACC7-37E3-43A5-A5FB-BEB9CE95D266}" type="slidenum">
               <a:rPr lang="zh-TW" altLang="en-US" smtClean="0"/>
               <a:pPr/>
-              <a:t>21</a:t>
+              <a:t>23</a:t>
             </a:fld>
             <a:endParaRPr lang="zh-TW" altLang="en-US"/>
           </a:p>
@@ -9064,7 +9475,7 @@
 </p:sld>
 </file>
 
-<file path=ppt/slides/slide23.xml><?xml version="1.0" encoding="utf-8"?>
+<file path=ppt/slides/slide25.xml><?xml version="1.0" encoding="utf-8"?>
 <p:sld xmlns:a="http://schemas.openxmlformats.org/drawingml/2006/main" xmlns:r="http://schemas.openxmlformats.org/officeDocument/2006/relationships" xmlns:p="http://schemas.openxmlformats.org/presentationml/2006/main">
   <p:cSld>
     <p:spTree>
@@ -9137,7 +9548,7 @@
             <a:fld id="{8F4EACC7-37E3-43A5-A5FB-BEB9CE95D266}" type="slidenum">
               <a:rPr lang="zh-TW" altLang="en-US" smtClean="0"/>
               <a:pPr/>
-              <a:t>22</a:t>
+              <a:t>24</a:t>
             </a:fld>
             <a:endParaRPr lang="zh-TW" altLang="en-US"/>
           </a:p>
@@ -9214,7 +9625,7 @@
 </p:sld>
 </file>
 
-<file path=ppt/slides/slide24.xml><?xml version="1.0" encoding="utf-8"?>
+<file path=ppt/slides/slide26.xml><?xml version="1.0" encoding="utf-8"?>
 <p:sld xmlns:a="http://schemas.openxmlformats.org/drawingml/2006/main" xmlns:r="http://schemas.openxmlformats.org/officeDocument/2006/relationships" xmlns:p="http://schemas.openxmlformats.org/presentationml/2006/main">
   <p:cSld>
     <p:spTree>
@@ -9287,7 +9698,7 @@
             <a:fld id="{8F4EACC7-37E3-43A5-A5FB-BEB9CE95D266}" type="slidenum">
               <a:rPr lang="zh-TW" altLang="en-US" smtClean="0"/>
               <a:pPr/>
-              <a:t>23</a:t>
+              <a:t>25</a:t>
             </a:fld>
             <a:endParaRPr lang="zh-TW" altLang="en-US"/>
           </a:p>
@@ -9364,7 +9775,7 @@
 </p:sld>
 </file>
 
-<file path=ppt/slides/slide25.xml><?xml version="1.0" encoding="utf-8"?>
+<file path=ppt/slides/slide27.xml><?xml version="1.0" encoding="utf-8"?>
 <p:sld xmlns:a="http://schemas.openxmlformats.org/drawingml/2006/main" xmlns:r="http://schemas.openxmlformats.org/officeDocument/2006/relationships" xmlns:p="http://schemas.openxmlformats.org/presentationml/2006/main">
   <p:cSld>
     <p:spTree>
@@ -9433,7 +9844,7 @@
             <a:fld id="{8F4EACC7-37E3-43A5-A5FB-BEB9CE95D266}" type="slidenum">
               <a:rPr lang="zh-TW" altLang="en-US" smtClean="0"/>
               <a:pPr/>
-              <a:t>24</a:t>
+              <a:t>26</a:t>
             </a:fld>
             <a:endParaRPr lang="zh-TW" altLang="en-US"/>
           </a:p>
@@ -9527,7 +9938,7 @@
 </p:sld>
 </file>
 
-<file path=ppt/slides/slide26.xml><?xml version="1.0" encoding="utf-8"?>
+<file path=ppt/slides/slide28.xml><?xml version="1.0" encoding="utf-8"?>
 <p:sld xmlns:a="http://schemas.openxmlformats.org/drawingml/2006/main" xmlns:r="http://schemas.openxmlformats.org/officeDocument/2006/relationships" xmlns:p="http://schemas.openxmlformats.org/presentationml/2006/main">
   <p:cSld>
     <p:spTree>
@@ -9686,7 +10097,7 @@
             <a:fld id="{8F4EACC7-37E3-43A5-A5FB-BEB9CE95D266}" type="slidenum">
               <a:rPr lang="zh-TW" altLang="en-US" smtClean="0"/>
               <a:pPr/>
-              <a:t>25</a:t>
+              <a:t>27</a:t>
             </a:fld>
             <a:endParaRPr lang="zh-TW" altLang="en-US"/>
           </a:p>
@@ -9733,7 +10144,7 @@
 </p:sld>
 </file>
 
-<file path=ppt/slides/slide27.xml><?xml version="1.0" encoding="utf-8"?>
+<file path=ppt/slides/slide29.xml><?xml version="1.0" encoding="utf-8"?>
 <p:sld xmlns:a="http://schemas.openxmlformats.org/drawingml/2006/main" xmlns:r="http://schemas.openxmlformats.org/officeDocument/2006/relationships" xmlns:p="http://schemas.openxmlformats.org/presentationml/2006/main">
   <p:cSld>
     <p:spTree>
@@ -9824,7 +10235,7 @@
             <a:fld id="{8F4EACC7-37E3-43A5-A5FB-BEB9CE95D266}" type="slidenum">
               <a:rPr lang="zh-TW" altLang="en-US" smtClean="0"/>
               <a:pPr/>
-              <a:t>26</a:t>
+              <a:t>28</a:t>
             </a:fld>
             <a:endParaRPr lang="zh-TW" altLang="en-US"/>
           </a:p>
@@ -9901,140 +10312,6 @@
 </p:sld>
 </file>
 
-<file path=ppt/slides/slide28.xml><?xml version="1.0" encoding="utf-8"?>
-<p:sld xmlns:a="http://schemas.openxmlformats.org/drawingml/2006/main" xmlns:r="http://schemas.openxmlformats.org/officeDocument/2006/relationships" xmlns:p="http://schemas.openxmlformats.org/presentationml/2006/main">
-  <p:cSld>
-    <p:spTree>
-      <p:nvGrpSpPr>
-        <p:cNvPr id="1" name=""/>
-        <p:cNvGrpSpPr/>
-        <p:nvPr/>
-      </p:nvGrpSpPr>
-      <p:grpSpPr>
-        <a:xfrm>
-          <a:off x="0" y="0"/>
-          <a:ext cx="0" cy="0"/>
-          <a:chOff x="0" y="0"/>
-          <a:chExt cx="0" cy="0"/>
-        </a:xfrm>
-      </p:grpSpPr>
-      <p:sp>
-        <p:nvSpPr>
-          <p:cNvPr id="2" name="文字方塊 1"/>
-          <p:cNvSpPr txBox="1"/>
-          <p:nvPr/>
-        </p:nvSpPr>
-        <p:spPr>
-          <a:xfrm>
-            <a:off x="3512840" y="2996952"/>
-            <a:ext cx="2880320" cy="720080"/>
-          </a:xfrm>
-          <a:prstGeom prst="rect">
-            <a:avLst/>
-          </a:prstGeom>
-          <a:noFill/>
-        </p:spPr>
-        <p:txBody>
-          <a:bodyPr wrap="square" rtlCol="0">
-            <a:spAutoFit/>
-          </a:bodyPr>
-          <a:lstStyle/>
-          <a:p>
-            <a:r>
-              <a:rPr lang="en-US" altLang="zh-TW" sz="4000" dirty="0">
-                <a:solidFill>
-                  <a:schemeClr val="accent1"/>
-                </a:solidFill>
-              </a:rPr>
-              <a:t>T</a:t>
-            </a:r>
-            <a:r>
-              <a:rPr lang="en-US" altLang="zh-TW" sz="4000" dirty="0">
-                <a:solidFill>
-                  <a:schemeClr val="accent2"/>
-                </a:solidFill>
-              </a:rPr>
-              <a:t>h</a:t>
-            </a:r>
-            <a:r>
-              <a:rPr lang="en-US" altLang="zh-TW" sz="4000" dirty="0">
-                <a:solidFill>
-                  <a:schemeClr val="accent3"/>
-                </a:solidFill>
-              </a:rPr>
-              <a:t>a</a:t>
-            </a:r>
-            <a:r>
-              <a:rPr lang="en-US" altLang="zh-TW" sz="4000" dirty="0">
-                <a:solidFill>
-                  <a:schemeClr val="accent4"/>
-                </a:solidFill>
-              </a:rPr>
-              <a:t>n</a:t>
-            </a:r>
-            <a:r>
-              <a:rPr lang="en-US" altLang="zh-TW" sz="4000" dirty="0">
-                <a:solidFill>
-                  <a:schemeClr val="accent5"/>
-                </a:solidFill>
-              </a:rPr>
-              <a:t>k</a:t>
-            </a:r>
-            <a:r>
-              <a:rPr lang="en-US" altLang="zh-TW" sz="4000" dirty="0">
-                <a:solidFill>
-                  <a:schemeClr val="tx1">
-                    <a:lumMod val="75000"/>
-                  </a:schemeClr>
-                </a:solidFill>
-              </a:rPr>
-              <a:t> </a:t>
-            </a:r>
-            <a:r>
-              <a:rPr lang="en-US" altLang="zh-TW" sz="4000" dirty="0">
-                <a:solidFill>
-                  <a:schemeClr val="accent6"/>
-                </a:solidFill>
-              </a:rPr>
-              <a:t>y</a:t>
-            </a:r>
-            <a:r>
-              <a:rPr lang="en-US" altLang="zh-TW" sz="4000" dirty="0">
-                <a:solidFill>
-                  <a:schemeClr val="accent1"/>
-                </a:solidFill>
-              </a:rPr>
-              <a:t>o</a:t>
-            </a:r>
-            <a:r>
-              <a:rPr lang="en-US" altLang="zh-TW" sz="4000" dirty="0">
-                <a:solidFill>
-                  <a:schemeClr val="accent3"/>
-                </a:solidFill>
-              </a:rPr>
-              <a:t>u</a:t>
-            </a:r>
-            <a:endParaRPr lang="zh-TW" altLang="en-US" sz="4000" dirty="0" err="1">
-              <a:solidFill>
-                <a:schemeClr val="accent3"/>
-              </a:solidFill>
-            </a:endParaRPr>
-          </a:p>
-        </p:txBody>
-      </p:sp>
-    </p:spTree>
-    <p:extLst>
-      <p:ext uri="{BB962C8B-B14F-4D97-AF65-F5344CB8AC3E}">
-        <p14:creationId xmlns:p14="http://schemas.microsoft.com/office/powerpoint/2010/main" val="4034723819"/>
-      </p:ext>
-    </p:extLst>
-  </p:cSld>
-  <p:clrMapOvr>
-    <a:masterClrMapping/>
-  </p:clrMapOvr>
-</p:sld>
-</file>
-
 <file path=ppt/slides/slide3.xml><?xml version="1.0" encoding="utf-8"?>
 <p:sld xmlns:a="http://schemas.openxmlformats.org/drawingml/2006/main" xmlns:r="http://schemas.openxmlformats.org/officeDocument/2006/relationships" xmlns:p="http://schemas.openxmlformats.org/presentationml/2006/main">
   <p:cSld>
@@ -10220,6 +10497,140 @@
     <p:extLst>
       <p:ext uri="{BB962C8B-B14F-4D97-AF65-F5344CB8AC3E}">
         <p14:creationId xmlns:p14="http://schemas.microsoft.com/office/powerpoint/2010/main" val="2518510101"/>
+      </p:ext>
+    </p:extLst>
+  </p:cSld>
+  <p:clrMapOvr>
+    <a:masterClrMapping/>
+  </p:clrMapOvr>
+</p:sld>
+</file>
+
+<file path=ppt/slides/slide30.xml><?xml version="1.0" encoding="utf-8"?>
+<p:sld xmlns:a="http://schemas.openxmlformats.org/drawingml/2006/main" xmlns:r="http://schemas.openxmlformats.org/officeDocument/2006/relationships" xmlns:p="http://schemas.openxmlformats.org/presentationml/2006/main">
+  <p:cSld>
+    <p:spTree>
+      <p:nvGrpSpPr>
+        <p:cNvPr id="1" name=""/>
+        <p:cNvGrpSpPr/>
+        <p:nvPr/>
+      </p:nvGrpSpPr>
+      <p:grpSpPr>
+        <a:xfrm>
+          <a:off x="0" y="0"/>
+          <a:ext cx="0" cy="0"/>
+          <a:chOff x="0" y="0"/>
+          <a:chExt cx="0" cy="0"/>
+        </a:xfrm>
+      </p:grpSpPr>
+      <p:sp>
+        <p:nvSpPr>
+          <p:cNvPr id="2" name="文字方塊 1"/>
+          <p:cNvSpPr txBox="1"/>
+          <p:nvPr/>
+        </p:nvSpPr>
+        <p:spPr>
+          <a:xfrm>
+            <a:off x="3512840" y="2996952"/>
+            <a:ext cx="2880320" cy="720080"/>
+          </a:xfrm>
+          <a:prstGeom prst="rect">
+            <a:avLst/>
+          </a:prstGeom>
+          <a:noFill/>
+        </p:spPr>
+        <p:txBody>
+          <a:bodyPr wrap="square" rtlCol="0">
+            <a:spAutoFit/>
+          </a:bodyPr>
+          <a:lstStyle/>
+          <a:p>
+            <a:r>
+              <a:rPr lang="en-US" altLang="zh-TW" sz="4000" dirty="0">
+                <a:solidFill>
+                  <a:schemeClr val="accent1"/>
+                </a:solidFill>
+              </a:rPr>
+              <a:t>T</a:t>
+            </a:r>
+            <a:r>
+              <a:rPr lang="en-US" altLang="zh-TW" sz="4000" dirty="0">
+                <a:solidFill>
+                  <a:schemeClr val="accent2"/>
+                </a:solidFill>
+              </a:rPr>
+              <a:t>h</a:t>
+            </a:r>
+            <a:r>
+              <a:rPr lang="en-US" altLang="zh-TW" sz="4000" dirty="0">
+                <a:solidFill>
+                  <a:schemeClr val="accent3"/>
+                </a:solidFill>
+              </a:rPr>
+              <a:t>a</a:t>
+            </a:r>
+            <a:r>
+              <a:rPr lang="en-US" altLang="zh-TW" sz="4000" dirty="0">
+                <a:solidFill>
+                  <a:schemeClr val="accent4"/>
+                </a:solidFill>
+              </a:rPr>
+              <a:t>n</a:t>
+            </a:r>
+            <a:r>
+              <a:rPr lang="en-US" altLang="zh-TW" sz="4000" dirty="0">
+                <a:solidFill>
+                  <a:schemeClr val="accent5"/>
+                </a:solidFill>
+              </a:rPr>
+              <a:t>k</a:t>
+            </a:r>
+            <a:r>
+              <a:rPr lang="en-US" altLang="zh-TW" sz="4000" dirty="0">
+                <a:solidFill>
+                  <a:schemeClr val="tx1">
+                    <a:lumMod val="75000"/>
+                  </a:schemeClr>
+                </a:solidFill>
+              </a:rPr>
+              <a:t> </a:t>
+            </a:r>
+            <a:r>
+              <a:rPr lang="en-US" altLang="zh-TW" sz="4000" dirty="0">
+                <a:solidFill>
+                  <a:schemeClr val="accent6"/>
+                </a:solidFill>
+              </a:rPr>
+              <a:t>y</a:t>
+            </a:r>
+            <a:r>
+              <a:rPr lang="en-US" altLang="zh-TW" sz="4000" dirty="0">
+                <a:solidFill>
+                  <a:schemeClr val="accent1"/>
+                </a:solidFill>
+              </a:rPr>
+              <a:t>o</a:t>
+            </a:r>
+            <a:r>
+              <a:rPr lang="en-US" altLang="zh-TW" sz="4000" dirty="0">
+                <a:solidFill>
+                  <a:schemeClr val="accent3"/>
+                </a:solidFill>
+              </a:rPr>
+              <a:t>u</a:t>
+            </a:r>
+            <a:endParaRPr lang="zh-TW" altLang="en-US" sz="4000" dirty="0" err="1">
+              <a:solidFill>
+                <a:schemeClr val="accent3"/>
+              </a:solidFill>
+            </a:endParaRPr>
+          </a:p>
+        </p:txBody>
+      </p:sp>
+    </p:spTree>
+    <p:extLst>
+      <p:ext uri="{BB962C8B-B14F-4D97-AF65-F5344CB8AC3E}">
+        <p14:creationId xmlns:p14="http://schemas.microsoft.com/office/powerpoint/2010/main" val="4034723819"/>
       </p:ext>
     </p:extLst>
   </p:cSld>
@@ -10875,125 +11286,35 @@
           <a:chExt cx="0" cy="0"/>
         </a:xfrm>
       </p:grpSpPr>
-      <p:sp>
-        <p:nvSpPr>
-          <p:cNvPr id="2" name="內容版面配置區 1">
-            <a:extLst>
-              <a:ext uri="{FF2B5EF4-FFF2-40B4-BE49-F238E27FC236}">
-                <a16:creationId xmlns:a16="http://schemas.microsoft.com/office/drawing/2014/main" id="{994C2E33-B54C-402D-B243-A895CC3E10DD}"/>
-              </a:ext>
-            </a:extLst>
-          </p:cNvPr>
-          <p:cNvSpPr>
-            <a:spLocks noGrp="1"/>
-          </p:cNvSpPr>
+      <p:pic>
+        <p:nvPicPr>
+          <p:cNvPr id="5" name="內容版面配置區 4"/>
+          <p:cNvPicPr>
+            <a:picLocks noGrp="1" noChangeAspect="1"/>
+          </p:cNvPicPr>
           <p:nvPr>
             <p:ph idx="1"/>
           </p:nvPr>
-        </p:nvSpPr>
+        </p:nvPicPr>
+        <p:blipFill>
+          <a:blip r:embed="rId2"/>
+          <a:stretch>
+            <a:fillRect/>
+          </a:stretch>
+        </p:blipFill>
         <p:spPr>
           <a:xfrm>
-            <a:off x="272480" y="764704"/>
-            <a:ext cx="9328720" cy="5879678"/>
+            <a:off x="273050" y="1954312"/>
+            <a:ext cx="9359900" cy="3238300"/>
           </a:xfrm>
+          <a:prstGeom prst="rect">
+            <a:avLst/>
+          </a:prstGeom>
         </p:spPr>
-        <p:txBody>
-          <a:bodyPr>
-            <a:normAutofit/>
-          </a:bodyPr>
-          <a:lstStyle/>
-          <a:p>
-            <a:r>
-              <a:rPr lang="en-US" dirty="0" err="1"/>
-              <a:t>Data</a:t>
-            </a:r>
-            <a:r>
-              <a:rPr lang="en-US" altLang="zh-TW" dirty="0" err="1"/>
-              <a:t>Frame</a:t>
-            </a:r>
-            <a:r>
-              <a:rPr lang="en-US" dirty="0"/>
-              <a:t> Inspection</a:t>
-            </a:r>
-          </a:p>
-          <a:p>
-            <a:r>
-              <a:rPr lang="en-US" dirty="0">
-                <a:solidFill>
-                  <a:srgbClr val="FF0000"/>
-                </a:solidFill>
-              </a:rPr>
-              <a:t>Missing Data</a:t>
-            </a:r>
-          </a:p>
-          <a:p>
-            <a:r>
-              <a:rPr lang="en-US" dirty="0"/>
-              <a:t>Outlier</a:t>
-            </a:r>
-            <a:endParaRPr lang="zh-TW" altLang="en-US" dirty="0"/>
-          </a:p>
-          <a:p>
-            <a:r>
-              <a:rPr lang="en-US" altLang="zh-TW" dirty="0"/>
-              <a:t>Inconsistent Data</a:t>
-            </a:r>
-            <a:r>
-              <a:rPr lang="zh-TW" altLang="en-US" dirty="0"/>
-              <a:t> </a:t>
-            </a:r>
-            <a:r>
-              <a:rPr lang="en-US" b="0" dirty="0"/>
-              <a:t>e.g. N</a:t>
-            </a:r>
-            <a:r>
-              <a:rPr lang="en-US" altLang="zh-TW" b="0" dirty="0"/>
-              <a:t>egative Age</a:t>
-            </a:r>
-            <a:endParaRPr lang="zh-TW" altLang="en-US" b="0" dirty="0"/>
-          </a:p>
-          <a:p>
-            <a:r>
-              <a:rPr lang="en-US" altLang="zh-TW" dirty="0"/>
-              <a:t>Categorical Data</a:t>
-            </a:r>
-            <a:r>
-              <a:rPr lang="zh-TW" altLang="en-US" dirty="0"/>
-              <a:t> </a:t>
-            </a:r>
-            <a:r>
-              <a:rPr lang="en-US" altLang="zh-TW" b="0" dirty="0"/>
-              <a:t>e.g. Natural Language Data</a:t>
-            </a:r>
-          </a:p>
-          <a:p>
-            <a:r>
-              <a:rPr lang="en-US" dirty="0"/>
-              <a:t>Normalization</a:t>
-            </a:r>
-          </a:p>
-          <a:p>
-            <a:r>
-              <a:rPr lang="en-US" dirty="0"/>
-              <a:t>Feature </a:t>
-            </a:r>
-            <a:r>
-              <a:rPr lang="en-US" altLang="zh-TW" dirty="0"/>
-              <a:t>Generation</a:t>
-            </a:r>
-            <a:endParaRPr lang="en-US" dirty="0"/>
-          </a:p>
-        </p:txBody>
-      </p:sp>
-      <p:sp>
-        <p:nvSpPr>
-          <p:cNvPr id="3" name="投影片編號版面配置區 2">
-            <a:extLst>
-              <a:ext uri="{FF2B5EF4-FFF2-40B4-BE49-F238E27FC236}">
-                <a16:creationId xmlns:a16="http://schemas.microsoft.com/office/drawing/2014/main" id="{3870C979-4240-4E32-9C5A-D08523E61621}"/>
-              </a:ext>
-            </a:extLst>
-          </p:cNvPr>
+      </p:pic>
+      <p:sp>
+        <p:nvSpPr>
+          <p:cNvPr id="3" name="投影片編號版面配置區 2"/>
           <p:cNvSpPr>
             <a:spLocks noGrp="1"/>
           </p:cNvSpPr>
@@ -11017,13 +11338,7 @@
       </p:sp>
       <p:sp>
         <p:nvSpPr>
-          <p:cNvPr id="4" name="標題 3">
-            <a:extLst>
-              <a:ext uri="{FF2B5EF4-FFF2-40B4-BE49-F238E27FC236}">
-                <a16:creationId xmlns:a16="http://schemas.microsoft.com/office/drawing/2014/main" id="{E0C776D6-293F-4DAC-8C58-D84D51E8A9A2}"/>
-              </a:ext>
-            </a:extLst>
-          </p:cNvPr>
+          <p:cNvPr id="4" name="標題 3"/>
           <p:cNvSpPr>
             <a:spLocks noGrp="1"/>
           </p:cNvSpPr>
@@ -11037,16 +11352,21 @@
           <a:lstStyle/>
           <a:p>
             <a:r>
-              <a:rPr lang="en-US" dirty="0"/>
-              <a:t>Table of Content</a:t>
-            </a:r>
+              <a:rPr lang="en-US" altLang="zh-TW" dirty="0" err="1"/>
+              <a:t>DataFrame</a:t>
+            </a:r>
+            <a:r>
+              <a:rPr lang="en-US" altLang="zh-TW" dirty="0"/>
+              <a:t> Inspection</a:t>
+            </a:r>
+            <a:endParaRPr lang="zh-TW" altLang="en-US" dirty="0"/>
           </a:p>
         </p:txBody>
       </p:sp>
     </p:spTree>
     <p:extLst>
       <p:ext uri="{BB962C8B-B14F-4D97-AF65-F5344CB8AC3E}">
-        <p14:creationId xmlns:p14="http://schemas.microsoft.com/office/powerpoint/2010/main" val="2662436166"/>
+        <p14:creationId xmlns:p14="http://schemas.microsoft.com/office/powerpoint/2010/main" val="1765731816"/>
       </p:ext>
     </p:extLst>
   </p:cSld>
@@ -11078,7 +11398,7 @@
           <p:cNvPr id="2" name="內容版面配置區 1">
             <a:extLst>
               <a:ext uri="{FF2B5EF4-FFF2-40B4-BE49-F238E27FC236}">
-                <a16:creationId xmlns:a16="http://schemas.microsoft.com/office/drawing/2014/main" id="{638D6AEC-B727-4EDC-8854-4538E37133CB}"/>
+                <a16:creationId xmlns:a16="http://schemas.microsoft.com/office/drawing/2014/main" id="{994C2E33-B54C-402D-B243-A895CC3E10DD}"/>
               </a:ext>
             </a:extLst>
           </p:cNvPr>
@@ -11089,15 +11409,97 @@
             <p:ph idx="1"/>
           </p:nvPr>
         </p:nvSpPr>
-        <p:spPr/>
-        <p:txBody>
-          <a:bodyPr/>
+        <p:spPr>
+          <a:xfrm>
+            <a:off x="272480" y="764704"/>
+            <a:ext cx="9328720" cy="5879678"/>
+          </a:xfrm>
+        </p:spPr>
+        <p:txBody>
+          <a:bodyPr>
+            <a:normAutofit/>
+          </a:bodyPr>
           <a:lstStyle/>
           <a:p>
             <a:r>
+              <a:rPr lang="en-US" dirty="0" err="1"/>
+              <a:t>Data</a:t>
+            </a:r>
+            <a:r>
+              <a:rPr lang="en-US" altLang="zh-TW" dirty="0" err="1"/>
+              <a:t>Frame</a:t>
+            </a:r>
+            <a:r>
               <a:rPr lang="en-US" dirty="0"/>
-              <a:t>Detection</a:t>
-            </a:r>
+              <a:t> Inspection</a:t>
+            </a:r>
+          </a:p>
+          <a:p>
+            <a:r>
+              <a:rPr lang="en-US" dirty="0">
+                <a:solidFill>
+                  <a:srgbClr val="FF0000"/>
+                </a:solidFill>
+              </a:rPr>
+              <a:t>Missing Data</a:t>
+            </a:r>
+          </a:p>
+          <a:p>
+            <a:r>
+              <a:rPr lang="en-US" dirty="0"/>
+              <a:t>Outlier</a:t>
+            </a:r>
+            <a:endParaRPr lang="zh-TW" altLang="en-US" dirty="0"/>
+          </a:p>
+          <a:p>
+            <a:r>
+              <a:rPr lang="en-US" altLang="zh-TW" dirty="0"/>
+              <a:t>Inconsistent Data</a:t>
+            </a:r>
+            <a:r>
+              <a:rPr lang="zh-TW" altLang="en-US" dirty="0"/>
+              <a:t> </a:t>
+            </a:r>
+            <a:r>
+              <a:rPr lang="en-US" b="0" dirty="0"/>
+              <a:t>e.g. N</a:t>
+            </a:r>
+            <a:r>
+              <a:rPr lang="en-US" altLang="zh-TW" b="0" dirty="0"/>
+              <a:t>egative Age</a:t>
+            </a:r>
+            <a:endParaRPr lang="zh-TW" altLang="en-US" b="0" dirty="0"/>
+          </a:p>
+          <a:p>
+            <a:r>
+              <a:rPr lang="en-US" altLang="zh-TW" dirty="0"/>
+              <a:t>Categorical Data</a:t>
+            </a:r>
+            <a:r>
+              <a:rPr lang="zh-TW" altLang="en-US" dirty="0"/>
+              <a:t> </a:t>
+            </a:r>
+            <a:r>
+              <a:rPr lang="en-US" altLang="zh-TW" b="0" dirty="0"/>
+              <a:t>e.g. Natural Language Data</a:t>
+            </a:r>
+          </a:p>
+          <a:p>
+            <a:r>
+              <a:rPr lang="en-US" dirty="0"/>
+              <a:t>Normalization</a:t>
+            </a:r>
+          </a:p>
+          <a:p>
+            <a:r>
+              <a:rPr lang="en-US" dirty="0"/>
+              <a:t>Feature </a:t>
+            </a:r>
+            <a:r>
+              <a:rPr lang="en-US" altLang="zh-TW" dirty="0"/>
+              <a:t>Generation</a:t>
+            </a:r>
+            <a:endParaRPr lang="en-US" dirty="0"/>
           </a:p>
         </p:txBody>
       </p:sp>
@@ -11106,7 +11508,7 @@
           <p:cNvPr id="3" name="投影片編號版面配置區 2">
             <a:extLst>
               <a:ext uri="{FF2B5EF4-FFF2-40B4-BE49-F238E27FC236}">
-                <a16:creationId xmlns:a16="http://schemas.microsoft.com/office/drawing/2014/main" id="{E0A46DAB-9EC0-4489-803D-8B6178F1404F}"/>
+                <a16:creationId xmlns:a16="http://schemas.microsoft.com/office/drawing/2014/main" id="{3870C979-4240-4E32-9C5A-D08523E61621}"/>
               </a:ext>
             </a:extLst>
           </p:cNvPr>
@@ -11136,7 +11538,7 @@
           <p:cNvPr id="4" name="標題 3">
             <a:extLst>
               <a:ext uri="{FF2B5EF4-FFF2-40B4-BE49-F238E27FC236}">
-                <a16:creationId xmlns:a16="http://schemas.microsoft.com/office/drawing/2014/main" id="{9F945C2C-0BE8-4797-ABBE-145702E5DF65}"/>
+                <a16:creationId xmlns:a16="http://schemas.microsoft.com/office/drawing/2014/main" id="{E0C776D6-293F-4DAC-8C58-D84D51E8A9A2}"/>
               </a:ext>
             </a:extLst>
           </p:cNvPr>
@@ -11154,145 +11556,15 @@
           <a:p>
             <a:r>
               <a:rPr lang="en-US" dirty="0"/>
-              <a:t>Missing Data</a:t>
-            </a:r>
-          </a:p>
-        </p:txBody>
-      </p:sp>
-      <p:pic>
-        <p:nvPicPr>
-          <p:cNvPr id="5" name="圖片 4">
-            <a:extLst>
-              <a:ext uri="{FF2B5EF4-FFF2-40B4-BE49-F238E27FC236}">
-                <a16:creationId xmlns:a16="http://schemas.microsoft.com/office/drawing/2014/main" id="{73F6FBFD-4A90-4AEE-A0D6-F4E87F3FFD79}"/>
-              </a:ext>
-            </a:extLst>
-          </p:cNvPr>
-          <p:cNvPicPr>
-            <a:picLocks noChangeAspect="1"/>
-          </p:cNvPicPr>
-          <p:nvPr/>
-        </p:nvPicPr>
-        <p:blipFill>
-          <a:blip r:embed="rId2"/>
-          <a:stretch>
-            <a:fillRect/>
-          </a:stretch>
-        </p:blipFill>
-        <p:spPr>
-          <a:xfrm>
-            <a:off x="0" y="1571711"/>
-            <a:ext cx="9906000" cy="4002609"/>
-          </a:xfrm>
-          <a:prstGeom prst="rect">
-            <a:avLst/>
-          </a:prstGeom>
-        </p:spPr>
-      </p:pic>
-      <p:sp>
-        <p:nvSpPr>
-          <p:cNvPr id="6" name="矩形 5">
-            <a:extLst>
-              <a:ext uri="{FF2B5EF4-FFF2-40B4-BE49-F238E27FC236}">
-                <a16:creationId xmlns:a16="http://schemas.microsoft.com/office/drawing/2014/main" id="{DE0FFA36-1F39-4381-A1E3-956FFEF9B9A7}"/>
-              </a:ext>
-            </a:extLst>
-          </p:cNvPr>
-          <p:cNvSpPr/>
-          <p:nvPr/>
-        </p:nvSpPr>
-        <p:spPr>
-          <a:xfrm>
-            <a:off x="608167" y="4121870"/>
-            <a:ext cx="2819400" cy="152400"/>
-          </a:xfrm>
-          <a:prstGeom prst="rect">
-            <a:avLst/>
-          </a:prstGeom>
-          <a:noFill/>
-          <a:ln w="28575">
-            <a:solidFill>
-              <a:srgbClr val="FF0000"/>
-            </a:solidFill>
-          </a:ln>
-        </p:spPr>
-        <p:style>
-          <a:lnRef idx="1">
-            <a:schemeClr val="accent4"/>
-          </a:lnRef>
-          <a:fillRef idx="3">
-            <a:schemeClr val="accent4"/>
-          </a:fillRef>
-          <a:effectRef idx="2">
-            <a:schemeClr val="accent4"/>
-          </a:effectRef>
-          <a:fontRef idx="minor">
-            <a:schemeClr val="lt1"/>
-          </a:fontRef>
-        </p:style>
-        <p:txBody>
-          <a:bodyPr rtlCol="0" anchor="ctr"/>
-          <a:lstStyle/>
-          <a:p>
-            <a:pPr algn="ctr"/>
-            <a:endParaRPr lang="en-US"/>
-          </a:p>
-        </p:txBody>
-      </p:sp>
-      <p:sp>
-        <p:nvSpPr>
-          <p:cNvPr id="7" name="矩形 6">
-            <a:extLst>
-              <a:ext uri="{FF2B5EF4-FFF2-40B4-BE49-F238E27FC236}">
-                <a16:creationId xmlns:a16="http://schemas.microsoft.com/office/drawing/2014/main" id="{DD2CD3C0-849C-4296-8B16-8249AF046823}"/>
-              </a:ext>
-            </a:extLst>
-          </p:cNvPr>
-          <p:cNvSpPr/>
-          <p:nvPr/>
-        </p:nvSpPr>
-        <p:spPr>
-          <a:xfrm>
-            <a:off x="608167" y="4891169"/>
-            <a:ext cx="2819400" cy="152400"/>
-          </a:xfrm>
-          <a:prstGeom prst="rect">
-            <a:avLst/>
-          </a:prstGeom>
-          <a:noFill/>
-          <a:ln w="28575">
-            <a:solidFill>
-              <a:srgbClr val="FF0000"/>
-            </a:solidFill>
-          </a:ln>
-        </p:spPr>
-        <p:style>
-          <a:lnRef idx="1">
-            <a:schemeClr val="accent4"/>
-          </a:lnRef>
-          <a:fillRef idx="3">
-            <a:schemeClr val="accent4"/>
-          </a:fillRef>
-          <a:effectRef idx="2">
-            <a:schemeClr val="accent4"/>
-          </a:effectRef>
-          <a:fontRef idx="minor">
-            <a:schemeClr val="lt1"/>
-          </a:fontRef>
-        </p:style>
-        <p:txBody>
-          <a:bodyPr rtlCol="0" anchor="ctr"/>
-          <a:lstStyle/>
-          <a:p>
-            <a:pPr algn="ctr"/>
-            <a:endParaRPr lang="en-US"/>
+              <a:t>Table of Content</a:t>
+            </a:r>
           </a:p>
         </p:txBody>
       </p:sp>
     </p:spTree>
     <p:extLst>
       <p:ext uri="{BB962C8B-B14F-4D97-AF65-F5344CB8AC3E}">
-        <p14:creationId xmlns:p14="http://schemas.microsoft.com/office/powerpoint/2010/main" val="116935457"/>
+        <p14:creationId xmlns:p14="http://schemas.microsoft.com/office/powerpoint/2010/main" val="2662436166"/>
       </p:ext>
     </p:extLst>
   </p:cSld>
